--- a/WorldHackaton/fileProject/Наработка логики.pptx
+++ b/WorldHackaton/fileProject/Наработка логики.pptx
@@ -5,10 +5,13 @@
     <p:sldMasterId id="2147483648" r:id="rId1"/>
   </p:sldMasterIdLst>
   <p:sldIdLst>
-    <p:sldId id="256" r:id="rId2"/>
-    <p:sldId id="257" r:id="rId3"/>
-    <p:sldId id="258" r:id="rId4"/>
-    <p:sldId id="259" r:id="rId5"/>
+    <p:sldId id="262" r:id="rId2"/>
+    <p:sldId id="261" r:id="rId3"/>
+    <p:sldId id="260" r:id="rId4"/>
+    <p:sldId id="256" r:id="rId5"/>
+    <p:sldId id="257" r:id="rId6"/>
+    <p:sldId id="258" r:id="rId7"/>
+    <p:sldId id="259" r:id="rId8"/>
   </p:sldIdLst>
   <p:sldSz cx="12192000" cy="6858000"/>
   <p:notesSz cx="6858000" cy="9144000"/>
@@ -107,6 +110,11 @@
       </a:defRPr>
     </a:lvl9pPr>
   </p:defaultTextStyle>
+  <p:extLst>
+    <p:ext uri="{EFAFB233-063F-42B5-8137-9DF3F51BA10A}">
+      <p15:sldGuideLst xmlns:p15="http://schemas.microsoft.com/office/powerpoint/2012/main"/>
+    </p:ext>
+  </p:extLst>
 </p:presentation>
 </file>
 
@@ -6002,861 +6010,172 @@
       </p:grpSpPr>
       <p:sp>
         <p:nvSpPr>
-          <p:cNvPr id="4" name="Прямоугольник 3">
+          <p:cNvPr id="3" name="TextBox 2">
             <a:extLst>
               <a:ext uri="{FF2B5EF4-FFF2-40B4-BE49-F238E27FC236}">
-                <a16:creationId xmlns:a16="http://schemas.microsoft.com/office/drawing/2014/main" id="{BE031761-F69D-40BF-937F-6753830558B2}"/>
+                <a16:creationId xmlns:a16="http://schemas.microsoft.com/office/drawing/2014/main" id="{8D277EE2-7217-4F5C-8437-B93428A19C36}"/>
               </a:ext>
             </a:extLst>
           </p:cNvPr>
-          <p:cNvSpPr/>
+          <p:cNvSpPr txBox="1"/>
           <p:nvPr/>
         </p:nvSpPr>
         <p:spPr>
           <a:xfrm>
-            <a:off x="501806" y="434897"/>
-            <a:ext cx="2698594" cy="1449659"/>
+            <a:off x="200721" y="234176"/>
+            <a:ext cx="12312986" cy="6740307"/>
           </a:xfrm>
           <a:prstGeom prst="rect">
             <a:avLst/>
           </a:prstGeom>
           <a:noFill/>
-          <a:ln w="76200"/>
-        </p:spPr>
-        <p:style>
-          <a:lnRef idx="2">
-            <a:schemeClr val="accent1">
-              <a:shade val="50000"/>
-            </a:schemeClr>
-          </a:lnRef>
-          <a:fillRef idx="1">
-            <a:schemeClr val="accent1"/>
-          </a:fillRef>
-          <a:effectRef idx="0">
-            <a:schemeClr val="accent1"/>
-          </a:effectRef>
-          <a:fontRef idx="minor">
-            <a:schemeClr val="lt1"/>
-          </a:fontRef>
-        </p:style>
-        <p:txBody>
-          <a:bodyPr rtlCol="0" anchor="ctr"/>
-          <a:lstStyle/>
-          <a:p>
-            <a:pPr algn="ctr"/>
-            <a:r>
-              <a:rPr lang="ru-RU" dirty="0"/>
-              <a:t>1.       Имя объявления</a:t>
-            </a:r>
-          </a:p>
-          <a:p>
-            <a:pPr algn="ctr"/>
-            <a:r>
-              <a:rPr lang="ru-RU" dirty="0"/>
-              <a:t>2. Место нахождения</a:t>
-            </a:r>
-          </a:p>
-          <a:p>
-            <a:pPr algn="ctr"/>
-            <a:r>
-              <a:rPr lang="ru-RU" dirty="0"/>
-              <a:t>3.      Пред заработок</a:t>
-            </a:r>
-          </a:p>
-          <a:p>
-            <a:pPr algn="ctr"/>
-            <a:r>
-              <a:rPr lang="ru-RU" dirty="0"/>
-              <a:t>4.        Специальность</a:t>
-            </a:r>
-          </a:p>
-          <a:p>
-            <a:pPr algn="ctr"/>
-            <a:r>
-              <a:rPr lang="ru-RU" dirty="0"/>
-              <a:t>5.                           опыт</a:t>
-            </a:r>
-          </a:p>
-        </p:txBody>
-      </p:sp>
-      <p:sp>
-        <p:nvSpPr>
-          <p:cNvPr id="5" name="Прямоугольник 4">
-            <a:extLst>
-              <a:ext uri="{FF2B5EF4-FFF2-40B4-BE49-F238E27FC236}">
-                <a16:creationId xmlns:a16="http://schemas.microsoft.com/office/drawing/2014/main" id="{603E2904-B707-4A70-925B-598113D79B02}"/>
-              </a:ext>
-            </a:extLst>
-          </p:cNvPr>
-          <p:cNvSpPr/>
-          <p:nvPr/>
-        </p:nvSpPr>
-        <p:spPr>
-          <a:xfrm>
-            <a:off x="501806" y="2207941"/>
-            <a:ext cx="2542478" cy="1449659"/>
-          </a:xfrm>
-          <a:prstGeom prst="rect">
-            <a:avLst/>
-          </a:prstGeom>
-          <a:noFill/>
-          <a:ln w="76200"/>
-        </p:spPr>
-        <p:style>
-          <a:lnRef idx="2">
-            <a:schemeClr val="accent1">
-              <a:shade val="50000"/>
-            </a:schemeClr>
-          </a:lnRef>
-          <a:fillRef idx="1">
-            <a:schemeClr val="accent1"/>
-          </a:fillRef>
-          <a:effectRef idx="0">
-            <a:schemeClr val="accent1"/>
-          </a:effectRef>
-          <a:fontRef idx="minor">
-            <a:schemeClr val="lt1"/>
-          </a:fontRef>
-        </p:style>
-        <p:txBody>
-          <a:bodyPr rtlCol="0" anchor="ctr"/>
-          <a:lstStyle/>
-          <a:p>
-            <a:pPr algn="ctr"/>
-            <a:r>
-              <a:rPr lang="ru-RU" dirty="0"/>
-              <a:t>1.                         ФИО</a:t>
-            </a:r>
-          </a:p>
-          <a:p>
-            <a:pPr algn="ctr"/>
-            <a:r>
-              <a:rPr lang="ru-RU" dirty="0"/>
-              <a:t>2.                   Возраст</a:t>
-            </a:r>
-          </a:p>
-          <a:p>
-            <a:pPr algn="ctr"/>
-            <a:r>
-              <a:rPr lang="ru-RU" dirty="0"/>
-              <a:t>3.                     Гендер</a:t>
-            </a:r>
-          </a:p>
-          <a:p>
-            <a:pPr algn="ctr"/>
-            <a:r>
-              <a:rPr lang="ru-RU" dirty="0"/>
-              <a:t>4.         Образование</a:t>
-            </a:r>
-          </a:p>
-          <a:p>
-            <a:pPr algn="ctr"/>
-            <a:r>
-              <a:rPr lang="ru-RU" dirty="0"/>
-              <a:t>5.      специальность</a:t>
-            </a:r>
-          </a:p>
-        </p:txBody>
-      </p:sp>
-      <p:sp>
-        <p:nvSpPr>
-          <p:cNvPr id="6" name="Прямоугольник 5">
-            <a:extLst>
-              <a:ext uri="{FF2B5EF4-FFF2-40B4-BE49-F238E27FC236}">
-                <a16:creationId xmlns:a16="http://schemas.microsoft.com/office/drawing/2014/main" id="{9980EB36-DC8F-4EE7-896F-59D7B6091F92}"/>
-              </a:ext>
-            </a:extLst>
-          </p:cNvPr>
-          <p:cNvSpPr/>
-          <p:nvPr/>
-        </p:nvSpPr>
-        <p:spPr>
-          <a:xfrm>
-            <a:off x="501806" y="3969834"/>
-            <a:ext cx="2542478" cy="1449659"/>
-          </a:xfrm>
-          <a:prstGeom prst="rect">
-            <a:avLst/>
-          </a:prstGeom>
-          <a:noFill/>
-          <a:ln w="76200"/>
-        </p:spPr>
-        <p:style>
-          <a:lnRef idx="2">
-            <a:schemeClr val="accent1">
-              <a:shade val="50000"/>
-            </a:schemeClr>
-          </a:lnRef>
-          <a:fillRef idx="1">
-            <a:schemeClr val="accent1"/>
-          </a:fillRef>
-          <a:effectRef idx="0">
-            <a:schemeClr val="accent1"/>
-          </a:effectRef>
-          <a:fontRef idx="minor">
-            <a:schemeClr val="lt1"/>
-          </a:fontRef>
-        </p:style>
-        <p:txBody>
-          <a:bodyPr rtlCol="0" anchor="ctr"/>
-          <a:lstStyle/>
-          <a:p>
-            <a:pPr algn="ctr"/>
-            <a:r>
-              <a:rPr lang="ru-RU" dirty="0"/>
-              <a:t>1.          Предприятие</a:t>
-            </a:r>
-          </a:p>
-          <a:p>
-            <a:pPr marL="342900" indent="-342900" algn="ctr">
-              <a:buAutoNum type="arabicPeriod" startAt="2"/>
-            </a:pPr>
-            <a:r>
-              <a:rPr lang="ru-RU" dirty="0"/>
-              <a:t>Отделы</a:t>
-            </a:r>
-          </a:p>
-          <a:p>
-            <a:pPr marL="342900" indent="-342900" algn="ctr">
-              <a:buAutoNum type="arabicPeriod" startAt="2"/>
-            </a:pPr>
-            <a:r>
-              <a:rPr lang="ru-RU" dirty="0"/>
-              <a:t>Род деятельности</a:t>
-            </a:r>
-          </a:p>
-        </p:txBody>
-      </p:sp>
-      <p:sp>
-        <p:nvSpPr>
-          <p:cNvPr id="7" name="Прямоугольник 6">
-            <a:extLst>
-              <a:ext uri="{FF2B5EF4-FFF2-40B4-BE49-F238E27FC236}">
-                <a16:creationId xmlns:a16="http://schemas.microsoft.com/office/drawing/2014/main" id="{4AEF5F46-1274-48E2-B478-CF3759A9D91D}"/>
-              </a:ext>
-            </a:extLst>
-          </p:cNvPr>
-          <p:cNvSpPr/>
-          <p:nvPr/>
-        </p:nvSpPr>
-        <p:spPr>
-          <a:xfrm>
-            <a:off x="3947533" y="434897"/>
-            <a:ext cx="2542478" cy="1449659"/>
-          </a:xfrm>
-          <a:prstGeom prst="rect">
-            <a:avLst/>
-          </a:prstGeom>
-          <a:noFill/>
-          <a:ln w="76200"/>
-        </p:spPr>
-        <p:style>
-          <a:lnRef idx="2">
-            <a:schemeClr val="accent1">
-              <a:shade val="50000"/>
-            </a:schemeClr>
-          </a:lnRef>
-          <a:fillRef idx="1">
-            <a:schemeClr val="accent1"/>
-          </a:fillRef>
-          <a:effectRef idx="0">
-            <a:schemeClr val="accent1"/>
-          </a:effectRef>
-          <a:fontRef idx="minor">
-            <a:schemeClr val="lt1"/>
-          </a:fontRef>
-        </p:style>
-        <p:txBody>
-          <a:bodyPr rtlCol="0" anchor="ctr"/>
-          <a:lstStyle/>
-          <a:p>
-            <a:pPr marL="342900" indent="-342900" algn="ctr">
+        </p:spPr>
+        <p:txBody>
+          <a:bodyPr wrap="none" rtlCol="0">
+            <a:spAutoFit/>
+          </a:bodyPr>
+          <a:lstStyle/>
+          <a:p>
+            <a:r>
+              <a:rPr lang="ru-RU" dirty="0"/>
+              <a:t>При написании программы были выявлены недочеты и переосмысления логики в целом</a:t>
+            </a:r>
+          </a:p>
+          <a:p>
+            <a:endParaRPr lang="ru-RU" dirty="0"/>
+          </a:p>
+          <a:p>
+            <a:r>
+              <a:rPr lang="ru-RU" dirty="0"/>
+              <a:t>Практика показала что создание бота не целесообразна и так как точного результата на основе </a:t>
+            </a:r>
+          </a:p>
+          <a:p>
+            <a:r>
+              <a:rPr lang="ru-RU" dirty="0"/>
+              <a:t>Публикуемой информации показал результат далёкий от реальности из чего был сделан вывод </a:t>
+            </a:r>
+          </a:p>
+          <a:p>
+            <a:r>
+              <a:rPr lang="ru-RU" dirty="0"/>
+              <a:t>Что программа должна функционировать либо на уровне государства с доступам базы данных</a:t>
+            </a:r>
+          </a:p>
+          <a:p>
+            <a:r>
+              <a:rPr lang="ru-RU" dirty="0"/>
+              <a:t>Гражданского населения или должен быть создан общественный ресурс где могут выкладывается </a:t>
+            </a:r>
+          </a:p>
+          <a:p>
+            <a:r>
+              <a:rPr lang="ru-RU" dirty="0"/>
+              <a:t>Объявления на вакантные места а так же с полноценной регистрацией предприятий со всеми </a:t>
+            </a:r>
+          </a:p>
+          <a:p>
+            <a:r>
+              <a:rPr lang="ru-RU" dirty="0"/>
+              <a:t>Параметрами что может повлиять на коммерческую тайну по этой причине добровольно организации</a:t>
+            </a:r>
+          </a:p>
+          <a:p>
+            <a:r>
+              <a:rPr lang="ru-RU" dirty="0"/>
+              <a:t>Или предприятия не будут согласны оглашать информацию которая потенциально может навредить </a:t>
+            </a:r>
+          </a:p>
+          <a:p>
+            <a:r>
+              <a:rPr lang="ru-RU" dirty="0"/>
+              <a:t>Их деятельности. </a:t>
+            </a:r>
+          </a:p>
+          <a:p>
+            <a:endParaRPr lang="ru-RU" dirty="0"/>
+          </a:p>
+          <a:p>
+            <a:r>
+              <a:rPr lang="ru-RU" dirty="0"/>
+              <a:t>Так же гражданское население не будет согласно регистрировать себя по паспортам так </a:t>
+            </a:r>
+          </a:p>
+          <a:p>
+            <a:r>
+              <a:rPr lang="ru-RU" dirty="0"/>
+              <a:t>будут боятся потери, оглашения или использования личной информации не в добрых целях.</a:t>
+            </a:r>
+          </a:p>
+          <a:p>
+            <a:endParaRPr lang="ru-RU" dirty="0"/>
+          </a:p>
+          <a:p>
+            <a:r>
+              <a:rPr lang="ru-RU" dirty="0"/>
+              <a:t>Так же на сколько я знаю сбор конфиденциальной информации противозаконно.</a:t>
+            </a:r>
+          </a:p>
+          <a:p>
+            <a:endParaRPr lang="ru-RU" dirty="0"/>
+          </a:p>
+          <a:p>
+            <a:r>
+              <a:rPr lang="ru-RU" dirty="0"/>
+              <a:t>Сама проект жизни способен и может быть применён как аналитическая программа но только </a:t>
+            </a:r>
+          </a:p>
+          <a:p>
+            <a:r>
+              <a:rPr lang="ru-RU" dirty="0"/>
+              <a:t>При сотрудничестве с государственными органами либо соблюдения законодательства при </a:t>
+            </a:r>
+          </a:p>
+          <a:p>
+            <a:r>
+              <a:rPr lang="ru-RU" dirty="0"/>
+              <a:t>Сборе информации </a:t>
+            </a:r>
+          </a:p>
+          <a:p>
+            <a:endParaRPr lang="ru-RU" dirty="0"/>
+          </a:p>
+          <a:p>
+            <a:r>
+              <a:rPr lang="ru-RU" dirty="0"/>
+              <a:t>У проекта два пути жизнеспособности:</a:t>
+            </a:r>
+          </a:p>
+          <a:p>
+            <a:pPr marL="342900" indent="-342900">
               <a:buAutoNum type="arabicPeriod"/>
             </a:pPr>
             <a:r>
               <a:rPr lang="ru-RU" dirty="0"/>
-              <a:t>Сбор вакансий</a:t>
-            </a:r>
-          </a:p>
-          <a:p>
-            <a:pPr marL="342900" indent="-342900" algn="ctr">
+              <a:t>Это работа с государственным реестром который может контролировать неповторимость данных</a:t>
+            </a:r>
+          </a:p>
+          <a:p>
+            <a:pPr marL="342900" indent="-342900">
               <a:buAutoNum type="arabicPeriod"/>
             </a:pPr>
             <a:r>
               <a:rPr lang="ru-RU" dirty="0"/>
-              <a:t>      Сортировка</a:t>
-            </a:r>
-          </a:p>
-          <a:p>
-            <a:pPr marL="342900" indent="-342900" algn="ctr">
-              <a:buAutoNum type="arabicPeriod"/>
-            </a:pPr>
-            <a:r>
-              <a:rPr lang="ru-RU" dirty="0"/>
-              <a:t>             Подсчет</a:t>
-            </a:r>
-          </a:p>
-        </p:txBody>
-      </p:sp>
-      <p:sp>
-        <p:nvSpPr>
-          <p:cNvPr id="8" name="Прямоугольник 7">
-            <a:extLst>
-              <a:ext uri="{FF2B5EF4-FFF2-40B4-BE49-F238E27FC236}">
-                <a16:creationId xmlns:a16="http://schemas.microsoft.com/office/drawing/2014/main" id="{786A6938-7424-4640-BDF1-2812FE477FFE}"/>
-              </a:ext>
-            </a:extLst>
-          </p:cNvPr>
-          <p:cNvSpPr/>
-          <p:nvPr/>
-        </p:nvSpPr>
-        <p:spPr>
-          <a:xfrm>
-            <a:off x="3947533" y="2196790"/>
-            <a:ext cx="2843560" cy="1126274"/>
-          </a:xfrm>
-          <a:prstGeom prst="rect">
-            <a:avLst/>
-          </a:prstGeom>
-          <a:noFill/>
-          <a:ln w="76200"/>
-        </p:spPr>
-        <p:style>
-          <a:lnRef idx="2">
-            <a:schemeClr val="accent1">
-              <a:shade val="50000"/>
-            </a:schemeClr>
-          </a:lnRef>
-          <a:fillRef idx="1">
-            <a:schemeClr val="accent1"/>
-          </a:fillRef>
-          <a:effectRef idx="0">
-            <a:schemeClr val="accent1"/>
-          </a:effectRef>
-          <a:fontRef idx="minor">
-            <a:schemeClr val="lt1"/>
-          </a:fontRef>
-        </p:style>
-        <p:txBody>
-          <a:bodyPr rtlCol="0" anchor="ctr"/>
-          <a:lstStyle/>
-          <a:p>
-            <a:pPr marL="342900" indent="-342900" algn="ctr">
-              <a:buAutoNum type="arabicPeriod"/>
-            </a:pPr>
-            <a:r>
-              <a:rPr lang="ru-RU" dirty="0"/>
-              <a:t>Сбор предложений</a:t>
-            </a:r>
-          </a:p>
-          <a:p>
-            <a:pPr marL="342900" indent="-342900" algn="ctr">
-              <a:buAutoNum type="arabicPeriod"/>
-            </a:pPr>
-            <a:r>
-              <a:rPr lang="ru-RU" dirty="0"/>
-              <a:t>              Сортировка</a:t>
-            </a:r>
-          </a:p>
-          <a:p>
-            <a:pPr marL="342900" indent="-342900" algn="ctr">
-              <a:buAutoNum type="arabicPeriod"/>
-            </a:pPr>
-            <a:r>
-              <a:rPr lang="ru-RU" dirty="0"/>
-              <a:t>                     Подсчет</a:t>
-            </a:r>
-          </a:p>
-          <a:p>
-            <a:pPr algn="ctr"/>
-            <a:endParaRPr lang="ru-RU" dirty="0"/>
-          </a:p>
-        </p:txBody>
-      </p:sp>
-      <p:sp>
-        <p:nvSpPr>
-          <p:cNvPr id="9" name="Прямоугольник 8">
-            <a:extLst>
-              <a:ext uri="{FF2B5EF4-FFF2-40B4-BE49-F238E27FC236}">
-                <a16:creationId xmlns:a16="http://schemas.microsoft.com/office/drawing/2014/main" id="{1AF010F1-7B41-4E00-AE23-CAAFD70E61E7}"/>
-              </a:ext>
-            </a:extLst>
-          </p:cNvPr>
-          <p:cNvSpPr/>
-          <p:nvPr/>
-        </p:nvSpPr>
-        <p:spPr>
-          <a:xfrm>
-            <a:off x="3947533" y="3757960"/>
-            <a:ext cx="2542478" cy="1449659"/>
-          </a:xfrm>
-          <a:prstGeom prst="rect">
-            <a:avLst/>
-          </a:prstGeom>
-          <a:noFill/>
-          <a:ln w="76200"/>
-        </p:spPr>
-        <p:style>
-          <a:lnRef idx="2">
-            <a:schemeClr val="accent1">
-              <a:shade val="50000"/>
-            </a:schemeClr>
-          </a:lnRef>
-          <a:fillRef idx="1">
-            <a:schemeClr val="accent1"/>
-          </a:fillRef>
-          <a:effectRef idx="0">
-            <a:schemeClr val="accent1"/>
-          </a:effectRef>
-          <a:fontRef idx="minor">
-            <a:schemeClr val="lt1"/>
-          </a:fontRef>
-        </p:style>
-        <p:txBody>
-          <a:bodyPr rtlCol="0" anchor="ctr"/>
-          <a:lstStyle/>
-          <a:p>
-            <a:pPr marL="342900" indent="-342900" algn="ctr">
-              <a:buAutoNum type="arabicPeriod"/>
-            </a:pPr>
-            <a:r>
-              <a:rPr lang="ru-RU" dirty="0"/>
-              <a:t>       Сбор данных предприятий</a:t>
-            </a:r>
-          </a:p>
-          <a:p>
-            <a:pPr marL="342900" indent="-342900" algn="ctr">
-              <a:buAutoNum type="arabicPeriod"/>
-            </a:pPr>
-            <a:r>
-              <a:rPr lang="ru-RU" dirty="0"/>
-              <a:t>   Анализ отделов</a:t>
-            </a:r>
-          </a:p>
-          <a:p>
-            <a:pPr marL="342900" indent="-342900" algn="ctr">
-              <a:buAutoNum type="arabicPeriod"/>
-            </a:pPr>
-            <a:r>
-              <a:rPr lang="ru-RU" dirty="0"/>
-              <a:t>                  Анализ деятельности</a:t>
-            </a:r>
-          </a:p>
-        </p:txBody>
-      </p:sp>
-      <p:sp>
-        <p:nvSpPr>
-          <p:cNvPr id="10" name="Прямоугольник 9">
-            <a:extLst>
-              <a:ext uri="{FF2B5EF4-FFF2-40B4-BE49-F238E27FC236}">
-                <a16:creationId xmlns:a16="http://schemas.microsoft.com/office/drawing/2014/main" id="{CCC08EF5-0ECD-4B01-8EFA-F8EE05293ECD}"/>
-              </a:ext>
-            </a:extLst>
-          </p:cNvPr>
-          <p:cNvSpPr/>
-          <p:nvPr/>
-        </p:nvSpPr>
-        <p:spPr>
-          <a:xfrm>
-            <a:off x="7237144" y="323385"/>
-            <a:ext cx="2542478" cy="2051825"/>
-          </a:xfrm>
-          <a:prstGeom prst="rect">
-            <a:avLst/>
-          </a:prstGeom>
-          <a:noFill/>
-          <a:ln w="76200"/>
-        </p:spPr>
-        <p:style>
-          <a:lnRef idx="2">
-            <a:schemeClr val="accent1">
-              <a:shade val="50000"/>
-            </a:schemeClr>
-          </a:lnRef>
-          <a:fillRef idx="1">
-            <a:schemeClr val="accent1"/>
-          </a:fillRef>
-          <a:effectRef idx="0">
-            <a:schemeClr val="accent1"/>
-          </a:effectRef>
-          <a:fontRef idx="minor">
-            <a:schemeClr val="lt1"/>
-          </a:fontRef>
-        </p:style>
-        <p:txBody>
-          <a:bodyPr rtlCol="0" anchor="ctr"/>
-          <a:lstStyle/>
-          <a:p>
-            <a:pPr marL="342900" indent="-342900" algn="ctr">
-              <a:buAutoNum type="arabicPeriod"/>
-            </a:pPr>
-            <a:r>
-              <a:rPr lang="ru-RU" dirty="0"/>
-              <a:t>                  Анализ сравнения</a:t>
-            </a:r>
-          </a:p>
-          <a:p>
-            <a:pPr marL="342900" indent="-342900" algn="ctr">
-              <a:buAutoNum type="arabicPeriod"/>
-            </a:pPr>
-            <a:r>
-              <a:rPr lang="ru-RU" dirty="0"/>
-              <a:t>   Вывод спроса в соотношении</a:t>
-            </a:r>
-          </a:p>
-          <a:p>
-            <a:pPr marL="342900" indent="-342900" algn="ctr">
-              <a:buAutoNum type="arabicPeriod"/>
-            </a:pPr>
-            <a:r>
-              <a:rPr lang="ru-RU" dirty="0"/>
-              <a:t>                 Анализ загруженности рынка</a:t>
-            </a:r>
-          </a:p>
-        </p:txBody>
-      </p:sp>
-      <p:sp>
-        <p:nvSpPr>
-          <p:cNvPr id="11" name="Прямоугольник 10">
-            <a:extLst>
-              <a:ext uri="{FF2B5EF4-FFF2-40B4-BE49-F238E27FC236}">
-                <a16:creationId xmlns:a16="http://schemas.microsoft.com/office/drawing/2014/main" id="{2B24072F-8F8E-4288-B01A-EEA8A2B0A203}"/>
-              </a:ext>
-            </a:extLst>
-          </p:cNvPr>
-          <p:cNvSpPr/>
-          <p:nvPr/>
-        </p:nvSpPr>
-        <p:spPr>
-          <a:xfrm>
-            <a:off x="7393260" y="3657599"/>
-            <a:ext cx="2542478" cy="2319455"/>
-          </a:xfrm>
-          <a:prstGeom prst="rect">
-            <a:avLst/>
-          </a:prstGeom>
-          <a:noFill/>
-          <a:ln w="76200"/>
-        </p:spPr>
-        <p:style>
-          <a:lnRef idx="2">
-            <a:schemeClr val="accent1">
-              <a:shade val="50000"/>
-            </a:schemeClr>
-          </a:lnRef>
-          <a:fillRef idx="1">
-            <a:schemeClr val="accent1"/>
-          </a:fillRef>
-          <a:effectRef idx="0">
-            <a:schemeClr val="accent1"/>
-          </a:effectRef>
-          <a:fontRef idx="minor">
-            <a:schemeClr val="lt1"/>
-          </a:fontRef>
-        </p:style>
-        <p:txBody>
-          <a:bodyPr rtlCol="0" anchor="ctr"/>
-          <a:lstStyle/>
-          <a:p>
-            <a:pPr marL="342900" indent="-342900" algn="ctr">
-              <a:buAutoNum type="arabicPeriod"/>
-            </a:pPr>
-            <a:r>
-              <a:rPr lang="ru-RU" dirty="0"/>
-              <a:t>Анализ возможности новой профессии</a:t>
-            </a:r>
-          </a:p>
-          <a:p>
-            <a:pPr marL="342900" indent="-342900" algn="ctr">
-              <a:buAutoNum type="arabicPeriod"/>
-            </a:pPr>
-            <a:r>
-              <a:rPr lang="ru-RU" dirty="0"/>
-              <a:t>Вывод предполагаемых профессий</a:t>
-            </a:r>
-          </a:p>
-        </p:txBody>
-      </p:sp>
-      <p:sp>
-        <p:nvSpPr>
-          <p:cNvPr id="12" name="Стрелка: вправо 11">
-            <a:extLst>
-              <a:ext uri="{FF2B5EF4-FFF2-40B4-BE49-F238E27FC236}">
-                <a16:creationId xmlns:a16="http://schemas.microsoft.com/office/drawing/2014/main" id="{479728D8-0110-41B4-AA17-DA014ADEE78D}"/>
-              </a:ext>
-            </a:extLst>
-          </p:cNvPr>
-          <p:cNvSpPr/>
-          <p:nvPr/>
-        </p:nvSpPr>
-        <p:spPr>
-          <a:xfrm>
-            <a:off x="3217127" y="1106981"/>
-            <a:ext cx="713678" cy="484632"/>
-          </a:xfrm>
-          <a:prstGeom prst="rightArrow">
-            <a:avLst/>
-          </a:prstGeom>
-        </p:spPr>
-        <p:style>
-          <a:lnRef idx="2">
-            <a:schemeClr val="accent1">
-              <a:shade val="50000"/>
-            </a:schemeClr>
-          </a:lnRef>
-          <a:fillRef idx="1">
-            <a:schemeClr val="accent1"/>
-          </a:fillRef>
-          <a:effectRef idx="0">
-            <a:schemeClr val="accent1"/>
-          </a:effectRef>
-          <a:fontRef idx="minor">
-            <a:schemeClr val="lt1"/>
-          </a:fontRef>
-        </p:style>
-        <p:txBody>
-          <a:bodyPr rtlCol="0" anchor="ctr"/>
-          <a:lstStyle/>
-          <a:p>
-            <a:pPr algn="ctr"/>
-            <a:endParaRPr lang="ru-RU"/>
-          </a:p>
-        </p:txBody>
-      </p:sp>
-      <p:sp>
-        <p:nvSpPr>
-          <p:cNvPr id="13" name="Стрелка: вправо 12">
-            <a:extLst>
-              <a:ext uri="{FF2B5EF4-FFF2-40B4-BE49-F238E27FC236}">
-                <a16:creationId xmlns:a16="http://schemas.microsoft.com/office/drawing/2014/main" id="{3DEE0777-C8DC-4BD5-B7E9-C423BD33A1DF}"/>
-              </a:ext>
-            </a:extLst>
-          </p:cNvPr>
-          <p:cNvSpPr/>
-          <p:nvPr/>
-        </p:nvSpPr>
-        <p:spPr>
-          <a:xfrm>
-            <a:off x="3084762" y="2615408"/>
-            <a:ext cx="713678" cy="484632"/>
-          </a:xfrm>
-          <a:prstGeom prst="rightArrow">
-            <a:avLst/>
-          </a:prstGeom>
-        </p:spPr>
-        <p:style>
-          <a:lnRef idx="2">
-            <a:schemeClr val="accent1">
-              <a:shade val="50000"/>
-            </a:schemeClr>
-          </a:lnRef>
-          <a:fillRef idx="1">
-            <a:schemeClr val="accent1"/>
-          </a:fillRef>
-          <a:effectRef idx="0">
-            <a:schemeClr val="accent1"/>
-          </a:effectRef>
-          <a:fontRef idx="minor">
-            <a:schemeClr val="lt1"/>
-          </a:fontRef>
-        </p:style>
-        <p:txBody>
-          <a:bodyPr rtlCol="0" anchor="ctr"/>
-          <a:lstStyle/>
-          <a:p>
-            <a:pPr algn="ctr"/>
-            <a:endParaRPr lang="ru-RU"/>
-          </a:p>
-        </p:txBody>
-      </p:sp>
-      <p:sp>
-        <p:nvSpPr>
-          <p:cNvPr id="14" name="Стрелка: вправо 13">
-            <a:extLst>
-              <a:ext uri="{FF2B5EF4-FFF2-40B4-BE49-F238E27FC236}">
-                <a16:creationId xmlns:a16="http://schemas.microsoft.com/office/drawing/2014/main" id="{3EC026D3-2791-4F51-BC6B-A30E2CB826A5}"/>
-              </a:ext>
-            </a:extLst>
-          </p:cNvPr>
-          <p:cNvSpPr/>
-          <p:nvPr/>
-        </p:nvSpPr>
-        <p:spPr>
-          <a:xfrm>
-            <a:off x="3061011" y="4575010"/>
-            <a:ext cx="869794" cy="484632"/>
-          </a:xfrm>
-          <a:prstGeom prst="rightArrow">
-            <a:avLst/>
-          </a:prstGeom>
-        </p:spPr>
-        <p:style>
-          <a:lnRef idx="2">
-            <a:schemeClr val="accent1">
-              <a:shade val="50000"/>
-            </a:schemeClr>
-          </a:lnRef>
-          <a:fillRef idx="1">
-            <a:schemeClr val="accent1"/>
-          </a:fillRef>
-          <a:effectRef idx="0">
-            <a:schemeClr val="accent1"/>
-          </a:effectRef>
-          <a:fontRef idx="minor">
-            <a:schemeClr val="lt1"/>
-          </a:fontRef>
-        </p:style>
-        <p:txBody>
-          <a:bodyPr rtlCol="0" anchor="ctr"/>
-          <a:lstStyle/>
-          <a:p>
-            <a:pPr algn="ctr"/>
-            <a:endParaRPr lang="ru-RU"/>
-          </a:p>
-        </p:txBody>
-      </p:sp>
-      <p:sp>
-        <p:nvSpPr>
-          <p:cNvPr id="15" name="Стрелка: вправо 14">
-            <a:extLst>
-              <a:ext uri="{FF2B5EF4-FFF2-40B4-BE49-F238E27FC236}">
-                <a16:creationId xmlns:a16="http://schemas.microsoft.com/office/drawing/2014/main" id="{9036E1E4-2776-4A9D-B6E2-A25C4FCD4FCB}"/>
-              </a:ext>
-            </a:extLst>
-          </p:cNvPr>
-          <p:cNvSpPr/>
-          <p:nvPr/>
-        </p:nvSpPr>
-        <p:spPr>
-          <a:xfrm>
-            <a:off x="6490011" y="1260088"/>
-            <a:ext cx="657921" cy="484632"/>
-          </a:xfrm>
-          <a:prstGeom prst="rightArrow">
-            <a:avLst/>
-          </a:prstGeom>
-        </p:spPr>
-        <p:style>
-          <a:lnRef idx="2">
-            <a:schemeClr val="accent1">
-              <a:shade val="50000"/>
-            </a:schemeClr>
-          </a:lnRef>
-          <a:fillRef idx="1">
-            <a:schemeClr val="accent1"/>
-          </a:fillRef>
-          <a:effectRef idx="0">
-            <a:schemeClr val="accent1"/>
-          </a:effectRef>
-          <a:fontRef idx="minor">
-            <a:schemeClr val="lt1"/>
-          </a:fontRef>
-        </p:style>
-        <p:txBody>
-          <a:bodyPr rtlCol="0" anchor="ctr"/>
-          <a:lstStyle/>
-          <a:p>
-            <a:pPr algn="ctr"/>
-            <a:endParaRPr lang="ru-RU"/>
-          </a:p>
-        </p:txBody>
-      </p:sp>
-      <p:sp>
-        <p:nvSpPr>
-          <p:cNvPr id="17" name="Стрелка: изогнутая вверх 16">
-            <a:extLst>
-              <a:ext uri="{FF2B5EF4-FFF2-40B4-BE49-F238E27FC236}">
-                <a16:creationId xmlns:a16="http://schemas.microsoft.com/office/drawing/2014/main" id="{36D25FA0-F1DA-4D1E-B205-0A99BFFE27E5}"/>
-              </a:ext>
-            </a:extLst>
-          </p:cNvPr>
-          <p:cNvSpPr/>
-          <p:nvPr/>
-        </p:nvSpPr>
-        <p:spPr>
-          <a:xfrm>
-            <a:off x="6843950" y="2446579"/>
-            <a:ext cx="850392" cy="731520"/>
-          </a:xfrm>
-          <a:prstGeom prst="bentUpArrow">
-            <a:avLst/>
-          </a:prstGeom>
-        </p:spPr>
-        <p:style>
-          <a:lnRef idx="2">
-            <a:schemeClr val="accent1">
-              <a:shade val="50000"/>
-            </a:schemeClr>
-          </a:lnRef>
-          <a:fillRef idx="1">
-            <a:schemeClr val="accent1"/>
-          </a:fillRef>
-          <a:effectRef idx="0">
-            <a:schemeClr val="accent1"/>
-          </a:effectRef>
-          <a:fontRef idx="minor">
-            <a:schemeClr val="lt1"/>
-          </a:fontRef>
-        </p:style>
-        <p:txBody>
-          <a:bodyPr rtlCol="0" anchor="ctr"/>
-          <a:lstStyle/>
-          <a:p>
-            <a:pPr algn="ctr"/>
-            <a:endParaRPr lang="ru-RU"/>
-          </a:p>
-        </p:txBody>
-      </p:sp>
-      <p:sp>
-        <p:nvSpPr>
-          <p:cNvPr id="18" name="Стрелка: вправо 17">
-            <a:extLst>
-              <a:ext uri="{FF2B5EF4-FFF2-40B4-BE49-F238E27FC236}">
-                <a16:creationId xmlns:a16="http://schemas.microsoft.com/office/drawing/2014/main" id="{6ADB856B-198A-463E-A775-29C3E56D5630}"/>
-              </a:ext>
-            </a:extLst>
-          </p:cNvPr>
-          <p:cNvSpPr/>
-          <p:nvPr/>
-        </p:nvSpPr>
-        <p:spPr>
-          <a:xfrm>
-            <a:off x="6477411" y="4363137"/>
-            <a:ext cx="759733" cy="484632"/>
-          </a:xfrm>
-          <a:prstGeom prst="rightArrow">
-            <a:avLst/>
-          </a:prstGeom>
-        </p:spPr>
-        <p:style>
-          <a:lnRef idx="2">
-            <a:schemeClr val="accent1">
-              <a:shade val="50000"/>
-            </a:schemeClr>
-          </a:lnRef>
-          <a:fillRef idx="1">
-            <a:schemeClr val="accent1"/>
-          </a:fillRef>
-          <a:effectRef idx="0">
-            <a:schemeClr val="accent1"/>
-          </a:effectRef>
-          <a:fontRef idx="minor">
-            <a:schemeClr val="lt1"/>
-          </a:fontRef>
-        </p:style>
-        <p:txBody>
-          <a:bodyPr rtlCol="0" anchor="ctr"/>
-          <a:lstStyle/>
-          <a:p>
-            <a:pPr algn="ctr"/>
-            <a:endParaRPr lang="ru-RU"/>
+              <a:t>Это создание централизованного ресурса на котором так же не будет повторении</a:t>
+            </a:r>
+          </a:p>
+          <a:p>
+            <a:r>
+              <a:rPr lang="ru-RU" dirty="0"/>
+              <a:t> информации путем сбора конфиденциальных данных.</a:t>
+            </a:r>
           </a:p>
         </p:txBody>
       </p:sp>
     </p:spTree>
     <p:extLst>
       <p:ext uri="{BB962C8B-B14F-4D97-AF65-F5344CB8AC3E}">
-        <p14:creationId xmlns:p14="http://schemas.microsoft.com/office/powerpoint/2010/main" val="4143333484"/>
+        <p14:creationId xmlns:p14="http://schemas.microsoft.com/office/powerpoint/2010/main" val="2230425398"/>
       </p:ext>
     </p:extLst>
   </p:cSld>
@@ -6885,827 +6204,111 @@
       </p:grpSpPr>
       <p:sp>
         <p:nvSpPr>
-          <p:cNvPr id="4" name="Прямоугольник 3">
+          <p:cNvPr id="2" name="TextBox 1">
             <a:extLst>
               <a:ext uri="{FF2B5EF4-FFF2-40B4-BE49-F238E27FC236}">
-                <a16:creationId xmlns:a16="http://schemas.microsoft.com/office/drawing/2014/main" id="{BE031761-F69D-40BF-937F-6753830558B2}"/>
+                <a16:creationId xmlns:a16="http://schemas.microsoft.com/office/drawing/2014/main" id="{7745B2E0-AA8C-402E-9A57-EA731EAABABD}"/>
               </a:ext>
             </a:extLst>
           </p:cNvPr>
-          <p:cNvSpPr/>
+          <p:cNvSpPr txBox="1"/>
           <p:nvPr/>
         </p:nvSpPr>
         <p:spPr>
           <a:xfrm>
-            <a:off x="501806" y="434897"/>
-            <a:ext cx="2698594" cy="1449659"/>
+            <a:off x="390293" y="501805"/>
+            <a:ext cx="11633313" cy="2585323"/>
           </a:xfrm>
           <a:prstGeom prst="rect">
             <a:avLst/>
           </a:prstGeom>
           <a:noFill/>
-          <a:ln w="76200"/>
-        </p:spPr>
-        <p:style>
-          <a:lnRef idx="2">
-            <a:schemeClr val="accent1">
-              <a:shade val="50000"/>
-            </a:schemeClr>
-          </a:lnRef>
-          <a:fillRef idx="1">
-            <a:schemeClr val="accent1"/>
-          </a:fillRef>
-          <a:effectRef idx="0">
-            <a:schemeClr val="accent1"/>
-          </a:effectRef>
-          <a:fontRef idx="minor">
-            <a:schemeClr val="lt1"/>
-          </a:fontRef>
-        </p:style>
-        <p:txBody>
-          <a:bodyPr rtlCol="0" anchor="ctr"/>
-          <a:lstStyle/>
-          <a:p>
-            <a:pPr algn="ctr"/>
-            <a:r>
-              <a:rPr lang="ru-RU" dirty="0"/>
-              <a:t>вакансии</a:t>
-            </a:r>
-          </a:p>
-        </p:txBody>
-      </p:sp>
-      <p:sp>
-        <p:nvSpPr>
-          <p:cNvPr id="5" name="Прямоугольник 4">
-            <a:extLst>
-              <a:ext uri="{FF2B5EF4-FFF2-40B4-BE49-F238E27FC236}">
-                <a16:creationId xmlns:a16="http://schemas.microsoft.com/office/drawing/2014/main" id="{603E2904-B707-4A70-925B-598113D79B02}"/>
-              </a:ext>
-            </a:extLst>
-          </p:cNvPr>
-          <p:cNvSpPr/>
-          <p:nvPr/>
-        </p:nvSpPr>
-        <p:spPr>
-          <a:xfrm>
-            <a:off x="501806" y="2207941"/>
-            <a:ext cx="2542478" cy="1449659"/>
-          </a:xfrm>
-          <a:prstGeom prst="rect">
-            <a:avLst/>
-          </a:prstGeom>
-          <a:noFill/>
-          <a:ln w="76200"/>
-        </p:spPr>
-        <p:style>
-          <a:lnRef idx="2">
-            <a:schemeClr val="accent1">
-              <a:shade val="50000"/>
-            </a:schemeClr>
-          </a:lnRef>
-          <a:fillRef idx="1">
-            <a:schemeClr val="accent1"/>
-          </a:fillRef>
-          <a:effectRef idx="0">
-            <a:schemeClr val="accent1"/>
-          </a:effectRef>
-          <a:fontRef idx="minor">
-            <a:schemeClr val="lt1"/>
-          </a:fontRef>
-        </p:style>
-        <p:txBody>
-          <a:bodyPr rtlCol="0" anchor="ctr"/>
-          <a:lstStyle/>
-          <a:p>
-            <a:pPr algn="ctr"/>
-            <a:r>
-              <a:rPr lang="ru-RU" dirty="0"/>
-              <a:t>резюме</a:t>
-            </a:r>
-          </a:p>
-        </p:txBody>
-      </p:sp>
-      <p:sp>
-        <p:nvSpPr>
-          <p:cNvPr id="6" name="Прямоугольник 5">
-            <a:extLst>
-              <a:ext uri="{FF2B5EF4-FFF2-40B4-BE49-F238E27FC236}">
-                <a16:creationId xmlns:a16="http://schemas.microsoft.com/office/drawing/2014/main" id="{9980EB36-DC8F-4EE7-896F-59D7B6091F92}"/>
-              </a:ext>
-            </a:extLst>
-          </p:cNvPr>
-          <p:cNvSpPr/>
-          <p:nvPr/>
-        </p:nvSpPr>
-        <p:spPr>
-          <a:xfrm>
-            <a:off x="501806" y="3969834"/>
-            <a:ext cx="2542478" cy="1449659"/>
-          </a:xfrm>
-          <a:prstGeom prst="rect">
-            <a:avLst/>
-          </a:prstGeom>
-          <a:noFill/>
-          <a:ln w="76200"/>
-        </p:spPr>
-        <p:style>
-          <a:lnRef idx="2">
-            <a:schemeClr val="accent1">
-              <a:shade val="50000"/>
-            </a:schemeClr>
-          </a:lnRef>
-          <a:fillRef idx="1">
-            <a:schemeClr val="accent1"/>
-          </a:fillRef>
-          <a:effectRef idx="0">
-            <a:schemeClr val="accent1"/>
-          </a:effectRef>
-          <a:fontRef idx="minor">
-            <a:schemeClr val="lt1"/>
-          </a:fontRef>
-        </p:style>
-        <p:txBody>
-          <a:bodyPr rtlCol="0" anchor="ctr"/>
-          <a:lstStyle/>
-          <a:p>
-            <a:pPr algn="ctr"/>
-            <a:r>
-              <a:rPr lang="ru-RU" dirty="0"/>
-              <a:t>предприятия</a:t>
-            </a:r>
-          </a:p>
-        </p:txBody>
-      </p:sp>
-      <p:sp>
-        <p:nvSpPr>
-          <p:cNvPr id="7" name="Прямоугольник 6">
-            <a:extLst>
-              <a:ext uri="{FF2B5EF4-FFF2-40B4-BE49-F238E27FC236}">
-                <a16:creationId xmlns:a16="http://schemas.microsoft.com/office/drawing/2014/main" id="{4AEF5F46-1274-48E2-B478-CF3759A9D91D}"/>
-              </a:ext>
-            </a:extLst>
-          </p:cNvPr>
-          <p:cNvSpPr/>
-          <p:nvPr/>
-        </p:nvSpPr>
-        <p:spPr>
-          <a:xfrm>
-            <a:off x="3947533" y="434897"/>
-            <a:ext cx="2542478" cy="1449659"/>
-          </a:xfrm>
-          <a:prstGeom prst="rect">
-            <a:avLst/>
-          </a:prstGeom>
-          <a:noFill/>
-          <a:ln w="76200"/>
-        </p:spPr>
-        <p:style>
-          <a:lnRef idx="2">
-            <a:schemeClr val="accent1">
-              <a:shade val="50000"/>
-            </a:schemeClr>
-          </a:lnRef>
-          <a:fillRef idx="1">
-            <a:schemeClr val="accent1"/>
-          </a:fillRef>
-          <a:effectRef idx="0">
-            <a:schemeClr val="accent1"/>
-          </a:effectRef>
-          <a:fontRef idx="minor">
-            <a:schemeClr val="lt1"/>
-          </a:fontRef>
-        </p:style>
-        <p:txBody>
-          <a:bodyPr rtlCol="0" anchor="ctr"/>
-          <a:lstStyle/>
-          <a:p>
-            <a:pPr algn="ctr"/>
-            <a:r>
-              <a:rPr lang="ru-RU" dirty="0"/>
-              <a:t>Сбор сортировка и анализ вакантных мест</a:t>
-            </a:r>
-          </a:p>
-        </p:txBody>
-      </p:sp>
-      <p:sp>
-        <p:nvSpPr>
-          <p:cNvPr id="8" name="Прямоугольник 7">
-            <a:extLst>
-              <a:ext uri="{FF2B5EF4-FFF2-40B4-BE49-F238E27FC236}">
-                <a16:creationId xmlns:a16="http://schemas.microsoft.com/office/drawing/2014/main" id="{786A6938-7424-4640-BDF1-2812FE477FFE}"/>
-              </a:ext>
-            </a:extLst>
-          </p:cNvPr>
-          <p:cNvSpPr/>
-          <p:nvPr/>
-        </p:nvSpPr>
-        <p:spPr>
-          <a:xfrm>
-            <a:off x="3947533" y="2196790"/>
-            <a:ext cx="2843560" cy="1126274"/>
-          </a:xfrm>
-          <a:prstGeom prst="rect">
-            <a:avLst/>
-          </a:prstGeom>
-          <a:noFill/>
-          <a:ln w="76200"/>
-        </p:spPr>
-        <p:style>
-          <a:lnRef idx="2">
-            <a:schemeClr val="accent1">
-              <a:shade val="50000"/>
-            </a:schemeClr>
-          </a:lnRef>
-          <a:fillRef idx="1">
-            <a:schemeClr val="accent1"/>
-          </a:fillRef>
-          <a:effectRef idx="0">
-            <a:schemeClr val="accent1"/>
-          </a:effectRef>
-          <a:fontRef idx="minor">
-            <a:schemeClr val="lt1"/>
-          </a:fontRef>
-        </p:style>
-        <p:txBody>
-          <a:bodyPr rtlCol="0" anchor="ctr"/>
-          <a:lstStyle/>
-          <a:p>
-            <a:pPr algn="ctr"/>
-            <a:r>
-              <a:rPr lang="ru-RU" dirty="0"/>
-              <a:t>Сбор сортировка и анализ профессионалов</a:t>
-            </a:r>
-          </a:p>
-        </p:txBody>
-      </p:sp>
-      <p:sp>
-        <p:nvSpPr>
-          <p:cNvPr id="9" name="Прямоугольник 8">
-            <a:extLst>
-              <a:ext uri="{FF2B5EF4-FFF2-40B4-BE49-F238E27FC236}">
-                <a16:creationId xmlns:a16="http://schemas.microsoft.com/office/drawing/2014/main" id="{1AF010F1-7B41-4E00-AE23-CAAFD70E61E7}"/>
-              </a:ext>
-            </a:extLst>
-          </p:cNvPr>
-          <p:cNvSpPr/>
-          <p:nvPr/>
-        </p:nvSpPr>
-        <p:spPr>
-          <a:xfrm>
-            <a:off x="3947533" y="3757959"/>
-            <a:ext cx="2542478" cy="2509025"/>
-          </a:xfrm>
-          <a:prstGeom prst="rect">
-            <a:avLst/>
-          </a:prstGeom>
-          <a:noFill/>
-          <a:ln w="76200"/>
-        </p:spPr>
-        <p:style>
-          <a:lnRef idx="2">
-            <a:schemeClr val="accent1">
-              <a:shade val="50000"/>
-            </a:schemeClr>
-          </a:lnRef>
-          <a:fillRef idx="1">
-            <a:schemeClr val="accent1"/>
-          </a:fillRef>
-          <a:effectRef idx="0">
-            <a:schemeClr val="accent1"/>
-          </a:effectRef>
-          <a:fontRef idx="minor">
-            <a:schemeClr val="lt1"/>
-          </a:fontRef>
-        </p:style>
-        <p:txBody>
-          <a:bodyPr rtlCol="0" anchor="ctr"/>
-          <a:lstStyle/>
-          <a:p>
-            <a:pPr algn="ctr"/>
-            <a:r>
-              <a:rPr lang="ru-RU" dirty="0"/>
-              <a:t>Подсчет предприятий а так же анализ количества предприятий</a:t>
-            </a:r>
-          </a:p>
-          <a:p>
-            <a:pPr algn="ctr"/>
-            <a:r>
-              <a:rPr lang="ru-RU" dirty="0"/>
-              <a:t>Так же подсчет продукции или услуг</a:t>
-            </a:r>
-          </a:p>
-        </p:txBody>
-      </p:sp>
-      <p:sp>
-        <p:nvSpPr>
-          <p:cNvPr id="10" name="Прямоугольник 9">
-            <a:extLst>
-              <a:ext uri="{FF2B5EF4-FFF2-40B4-BE49-F238E27FC236}">
-                <a16:creationId xmlns:a16="http://schemas.microsoft.com/office/drawing/2014/main" id="{CCC08EF5-0ECD-4B01-8EFA-F8EE05293ECD}"/>
-              </a:ext>
-            </a:extLst>
-          </p:cNvPr>
-          <p:cNvSpPr/>
-          <p:nvPr/>
-        </p:nvSpPr>
-        <p:spPr>
-          <a:xfrm>
-            <a:off x="7237144" y="323385"/>
-            <a:ext cx="2542478" cy="2051825"/>
-          </a:xfrm>
-          <a:prstGeom prst="rect">
-            <a:avLst/>
-          </a:prstGeom>
-          <a:noFill/>
-          <a:ln w="76200"/>
-        </p:spPr>
-        <p:style>
-          <a:lnRef idx="2">
-            <a:schemeClr val="accent1">
-              <a:shade val="50000"/>
-            </a:schemeClr>
-          </a:lnRef>
-          <a:fillRef idx="1">
-            <a:schemeClr val="accent1"/>
-          </a:fillRef>
-          <a:effectRef idx="0">
-            <a:schemeClr val="accent1"/>
-          </a:effectRef>
-          <a:fontRef idx="minor">
-            <a:schemeClr val="lt1"/>
-          </a:fontRef>
-        </p:style>
-        <p:txBody>
-          <a:bodyPr rtlCol="0" anchor="ctr"/>
-          <a:lstStyle/>
-          <a:p>
-            <a:pPr marL="342900" indent="-342900" algn="ctr">
+        </p:spPr>
+        <p:txBody>
+          <a:bodyPr wrap="none" rtlCol="0">
+            <a:spAutoFit/>
+          </a:bodyPr>
+          <a:lstStyle/>
+          <a:p>
+            <a:r>
+              <a:rPr lang="ru-RU" dirty="0"/>
+              <a:t>Логика программы должна работать на основе полученных данных и сопоставления спроса и </a:t>
+            </a:r>
+          </a:p>
+          <a:p>
+            <a:r>
+              <a:rPr lang="ru-RU" dirty="0"/>
+              <a:t>Предложений по рынку труда а так же аналитическим анализом при котором в первую очередь</a:t>
+            </a:r>
+          </a:p>
+          <a:p>
+            <a:r>
+              <a:rPr lang="ru-RU" dirty="0"/>
+              <a:t>Будет анализироваться количество спроса на количество предложений (вакансий на резюме)</a:t>
+            </a:r>
+          </a:p>
+          <a:p>
+            <a:r>
+              <a:rPr lang="ru-RU" dirty="0"/>
+              <a:t>Их сопоставление по </a:t>
+            </a:r>
+            <a:r>
+              <a:rPr lang="ru-RU" dirty="0" err="1"/>
+              <a:t>гео</a:t>
+            </a:r>
+            <a:r>
+              <a:rPr lang="ru-RU" dirty="0"/>
+              <a:t>-локацией. </a:t>
+            </a:r>
+          </a:p>
+          <a:p>
+            <a:r>
+              <a:rPr lang="ru-RU" dirty="0"/>
+              <a:t>Для прогноза данных какие данные должна собирать программа</a:t>
+            </a:r>
+          </a:p>
+          <a:p>
+            <a:pPr marL="342900" indent="-342900">
               <a:buAutoNum type="arabicPeriod"/>
             </a:pPr>
             <a:r>
               <a:rPr lang="ru-RU" dirty="0"/>
-              <a:t>                  Анализ сравнения</a:t>
-            </a:r>
-          </a:p>
-          <a:p>
-            <a:pPr marL="342900" indent="-342900" algn="ctr">
+              <a:t>Это данные защищенные от повтора ( паспорт) данные человека.</a:t>
+            </a:r>
+          </a:p>
+          <a:p>
+            <a:pPr marL="342900" indent="-342900">
               <a:buAutoNum type="arabicPeriod"/>
             </a:pPr>
             <a:r>
               <a:rPr lang="ru-RU" dirty="0"/>
-              <a:t>   Вывод спроса в соотношении</a:t>
-            </a:r>
-          </a:p>
-          <a:p>
-            <a:pPr marL="342900" indent="-342900" algn="ctr">
+              <a:t>Это сбор данных вакансий по рекламам с надежного ресурса или государственного органа</a:t>
+            </a:r>
+          </a:p>
+          <a:p>
+            <a:pPr marL="342900" indent="-342900">
               <a:buAutoNum type="arabicPeriod"/>
             </a:pPr>
             <a:r>
               <a:rPr lang="ru-RU" dirty="0"/>
-              <a:t>                 Анализ загруженности рынка</a:t>
-            </a:r>
-          </a:p>
-        </p:txBody>
-      </p:sp>
-      <p:sp>
-        <p:nvSpPr>
-          <p:cNvPr id="11" name="Прямоугольник 10">
-            <a:extLst>
-              <a:ext uri="{FF2B5EF4-FFF2-40B4-BE49-F238E27FC236}">
-                <a16:creationId xmlns:a16="http://schemas.microsoft.com/office/drawing/2014/main" id="{2B24072F-8F8E-4288-B01A-EEA8A2B0A203}"/>
-              </a:ext>
-            </a:extLst>
-          </p:cNvPr>
-          <p:cNvSpPr/>
-          <p:nvPr/>
-        </p:nvSpPr>
-        <p:spPr>
-          <a:xfrm>
-            <a:off x="7310853" y="3323064"/>
-            <a:ext cx="2542478" cy="2051826"/>
-          </a:xfrm>
-          <a:prstGeom prst="rect">
-            <a:avLst/>
-          </a:prstGeom>
-          <a:noFill/>
-          <a:ln w="76200"/>
-        </p:spPr>
-        <p:style>
-          <a:lnRef idx="2">
-            <a:schemeClr val="accent1">
-              <a:shade val="50000"/>
-            </a:schemeClr>
-          </a:lnRef>
-          <a:fillRef idx="1">
-            <a:schemeClr val="accent1"/>
-          </a:fillRef>
-          <a:effectRef idx="0">
-            <a:schemeClr val="accent1"/>
-          </a:effectRef>
-          <a:fontRef idx="minor">
-            <a:schemeClr val="lt1"/>
-          </a:fontRef>
-        </p:style>
-        <p:txBody>
-          <a:bodyPr rtlCol="0" anchor="ctr"/>
-          <a:lstStyle/>
-          <a:p>
-            <a:pPr marL="342900" indent="-342900" algn="ctr">
+              <a:t>Сбор данных по организациям предлагающие продукт или услуги.</a:t>
+            </a:r>
+          </a:p>
+          <a:p>
+            <a:pPr marL="342900" indent="-342900">
               <a:buAutoNum type="arabicPeriod"/>
             </a:pPr>
             <a:r>
               <a:rPr lang="ru-RU" dirty="0"/>
-              <a:t>Анализ возможности новой профессии</a:t>
-            </a:r>
-          </a:p>
-          <a:p>
-            <a:pPr marL="342900" indent="-342900" algn="ctr">
-              <a:buAutoNum type="arabicPeriod"/>
-            </a:pPr>
-            <a:r>
-              <a:rPr lang="ru-RU" dirty="0"/>
-              <a:t>Вывод предполагаемых профессий</a:t>
-            </a:r>
-          </a:p>
-        </p:txBody>
-      </p:sp>
-      <p:sp>
-        <p:nvSpPr>
-          <p:cNvPr id="12" name="Стрелка: вправо 11">
-            <a:extLst>
-              <a:ext uri="{FF2B5EF4-FFF2-40B4-BE49-F238E27FC236}">
-                <a16:creationId xmlns:a16="http://schemas.microsoft.com/office/drawing/2014/main" id="{479728D8-0110-41B4-AA17-DA014ADEE78D}"/>
-              </a:ext>
-            </a:extLst>
-          </p:cNvPr>
-          <p:cNvSpPr/>
-          <p:nvPr/>
-        </p:nvSpPr>
-        <p:spPr>
-          <a:xfrm>
-            <a:off x="3217127" y="1106981"/>
-            <a:ext cx="713678" cy="484632"/>
-          </a:xfrm>
-          <a:prstGeom prst="rightArrow">
-            <a:avLst/>
-          </a:prstGeom>
-        </p:spPr>
-        <p:style>
-          <a:lnRef idx="2">
-            <a:schemeClr val="accent1">
-              <a:shade val="50000"/>
-            </a:schemeClr>
-          </a:lnRef>
-          <a:fillRef idx="1">
-            <a:schemeClr val="accent1"/>
-          </a:fillRef>
-          <a:effectRef idx="0">
-            <a:schemeClr val="accent1"/>
-          </a:effectRef>
-          <a:fontRef idx="minor">
-            <a:schemeClr val="lt1"/>
-          </a:fontRef>
-        </p:style>
-        <p:txBody>
-          <a:bodyPr rtlCol="0" anchor="ctr"/>
-          <a:lstStyle/>
-          <a:p>
-            <a:pPr algn="ctr"/>
-            <a:endParaRPr lang="ru-RU"/>
-          </a:p>
-        </p:txBody>
-      </p:sp>
-      <p:sp>
-        <p:nvSpPr>
-          <p:cNvPr id="13" name="Стрелка: вправо 12">
-            <a:extLst>
-              <a:ext uri="{FF2B5EF4-FFF2-40B4-BE49-F238E27FC236}">
-                <a16:creationId xmlns:a16="http://schemas.microsoft.com/office/drawing/2014/main" id="{3DEE0777-C8DC-4BD5-B7E9-C423BD33A1DF}"/>
-              </a:ext>
-            </a:extLst>
-          </p:cNvPr>
-          <p:cNvSpPr/>
-          <p:nvPr/>
-        </p:nvSpPr>
-        <p:spPr>
-          <a:xfrm>
-            <a:off x="3084762" y="2615408"/>
-            <a:ext cx="713678" cy="484632"/>
-          </a:xfrm>
-          <a:prstGeom prst="rightArrow">
-            <a:avLst/>
-          </a:prstGeom>
-        </p:spPr>
-        <p:style>
-          <a:lnRef idx="2">
-            <a:schemeClr val="accent1">
-              <a:shade val="50000"/>
-            </a:schemeClr>
-          </a:lnRef>
-          <a:fillRef idx="1">
-            <a:schemeClr val="accent1"/>
-          </a:fillRef>
-          <a:effectRef idx="0">
-            <a:schemeClr val="accent1"/>
-          </a:effectRef>
-          <a:fontRef idx="minor">
-            <a:schemeClr val="lt1"/>
-          </a:fontRef>
-        </p:style>
-        <p:txBody>
-          <a:bodyPr rtlCol="0" anchor="ctr"/>
-          <a:lstStyle/>
-          <a:p>
-            <a:pPr algn="ctr"/>
-            <a:endParaRPr lang="ru-RU"/>
-          </a:p>
-        </p:txBody>
-      </p:sp>
-      <p:sp>
-        <p:nvSpPr>
-          <p:cNvPr id="14" name="Стрелка: вправо 13">
-            <a:extLst>
-              <a:ext uri="{FF2B5EF4-FFF2-40B4-BE49-F238E27FC236}">
-                <a16:creationId xmlns:a16="http://schemas.microsoft.com/office/drawing/2014/main" id="{3EC026D3-2791-4F51-BC6B-A30E2CB826A5}"/>
-              </a:ext>
-            </a:extLst>
-          </p:cNvPr>
-          <p:cNvSpPr/>
-          <p:nvPr/>
-        </p:nvSpPr>
-        <p:spPr>
-          <a:xfrm>
-            <a:off x="3061011" y="4575010"/>
-            <a:ext cx="869794" cy="484632"/>
-          </a:xfrm>
-          <a:prstGeom prst="rightArrow">
-            <a:avLst/>
-          </a:prstGeom>
-        </p:spPr>
-        <p:style>
-          <a:lnRef idx="2">
-            <a:schemeClr val="accent1">
-              <a:shade val="50000"/>
-            </a:schemeClr>
-          </a:lnRef>
-          <a:fillRef idx="1">
-            <a:schemeClr val="accent1"/>
-          </a:fillRef>
-          <a:effectRef idx="0">
-            <a:schemeClr val="accent1"/>
-          </a:effectRef>
-          <a:fontRef idx="minor">
-            <a:schemeClr val="lt1"/>
-          </a:fontRef>
-        </p:style>
-        <p:txBody>
-          <a:bodyPr rtlCol="0" anchor="ctr"/>
-          <a:lstStyle/>
-          <a:p>
-            <a:pPr algn="ctr"/>
-            <a:endParaRPr lang="ru-RU"/>
-          </a:p>
-        </p:txBody>
-      </p:sp>
-      <p:sp>
-        <p:nvSpPr>
-          <p:cNvPr id="15" name="Стрелка: вправо 14">
-            <a:extLst>
-              <a:ext uri="{FF2B5EF4-FFF2-40B4-BE49-F238E27FC236}">
-                <a16:creationId xmlns:a16="http://schemas.microsoft.com/office/drawing/2014/main" id="{9036E1E4-2776-4A9D-B6E2-A25C4FCD4FCB}"/>
-              </a:ext>
-            </a:extLst>
-          </p:cNvPr>
-          <p:cNvSpPr/>
-          <p:nvPr/>
-        </p:nvSpPr>
-        <p:spPr>
-          <a:xfrm>
-            <a:off x="6490011" y="1260088"/>
-            <a:ext cx="657921" cy="484632"/>
-          </a:xfrm>
-          <a:prstGeom prst="rightArrow">
-            <a:avLst/>
-          </a:prstGeom>
-        </p:spPr>
-        <p:style>
-          <a:lnRef idx="2">
-            <a:schemeClr val="accent1">
-              <a:shade val="50000"/>
-            </a:schemeClr>
-          </a:lnRef>
-          <a:fillRef idx="1">
-            <a:schemeClr val="accent1"/>
-          </a:fillRef>
-          <a:effectRef idx="0">
-            <a:schemeClr val="accent1"/>
-          </a:effectRef>
-          <a:fontRef idx="minor">
-            <a:schemeClr val="lt1"/>
-          </a:fontRef>
-        </p:style>
-        <p:txBody>
-          <a:bodyPr rtlCol="0" anchor="ctr"/>
-          <a:lstStyle/>
-          <a:p>
-            <a:pPr algn="ctr"/>
-            <a:endParaRPr lang="ru-RU"/>
-          </a:p>
-        </p:txBody>
-      </p:sp>
-      <p:sp>
-        <p:nvSpPr>
-          <p:cNvPr id="17" name="Стрелка: изогнутая вверх 16">
-            <a:extLst>
-              <a:ext uri="{FF2B5EF4-FFF2-40B4-BE49-F238E27FC236}">
-                <a16:creationId xmlns:a16="http://schemas.microsoft.com/office/drawing/2014/main" id="{36D25FA0-F1DA-4D1E-B205-0A99BFFE27E5}"/>
-              </a:ext>
-            </a:extLst>
-          </p:cNvPr>
-          <p:cNvSpPr/>
-          <p:nvPr/>
-        </p:nvSpPr>
-        <p:spPr>
-          <a:xfrm>
-            <a:off x="6843950" y="2446579"/>
-            <a:ext cx="850392" cy="731520"/>
-          </a:xfrm>
-          <a:prstGeom prst="bentUpArrow">
-            <a:avLst/>
-          </a:prstGeom>
-        </p:spPr>
-        <p:style>
-          <a:lnRef idx="2">
-            <a:schemeClr val="accent1">
-              <a:shade val="50000"/>
-            </a:schemeClr>
-          </a:lnRef>
-          <a:fillRef idx="1">
-            <a:schemeClr val="accent1"/>
-          </a:fillRef>
-          <a:effectRef idx="0">
-            <a:schemeClr val="accent1"/>
-          </a:effectRef>
-          <a:fontRef idx="minor">
-            <a:schemeClr val="lt1"/>
-          </a:fontRef>
-        </p:style>
-        <p:txBody>
-          <a:bodyPr rtlCol="0" anchor="ctr"/>
-          <a:lstStyle/>
-          <a:p>
-            <a:pPr algn="ctr"/>
-            <a:endParaRPr lang="ru-RU"/>
-          </a:p>
-        </p:txBody>
-      </p:sp>
-      <p:sp>
-        <p:nvSpPr>
-          <p:cNvPr id="18" name="Стрелка: вправо 17">
-            <a:extLst>
-              <a:ext uri="{FF2B5EF4-FFF2-40B4-BE49-F238E27FC236}">
-                <a16:creationId xmlns:a16="http://schemas.microsoft.com/office/drawing/2014/main" id="{6ADB856B-198A-463E-A775-29C3E56D5630}"/>
-              </a:ext>
-            </a:extLst>
-          </p:cNvPr>
-          <p:cNvSpPr/>
-          <p:nvPr/>
-        </p:nvSpPr>
-        <p:spPr>
-          <a:xfrm>
-            <a:off x="6477411" y="4363137"/>
-            <a:ext cx="759733" cy="484632"/>
-          </a:xfrm>
-          <a:prstGeom prst="rightArrow">
-            <a:avLst/>
-          </a:prstGeom>
-        </p:spPr>
-        <p:style>
-          <a:lnRef idx="2">
-            <a:schemeClr val="accent1">
-              <a:shade val="50000"/>
-            </a:schemeClr>
-          </a:lnRef>
-          <a:fillRef idx="1">
-            <a:schemeClr val="accent1"/>
-          </a:fillRef>
-          <a:effectRef idx="0">
-            <a:schemeClr val="accent1"/>
-          </a:effectRef>
-          <a:fontRef idx="minor">
-            <a:schemeClr val="lt1"/>
-          </a:fontRef>
-        </p:style>
-        <p:txBody>
-          <a:bodyPr rtlCol="0" anchor="ctr"/>
-          <a:lstStyle/>
-          <a:p>
-            <a:pPr algn="ctr"/>
-            <a:endParaRPr lang="ru-RU"/>
-          </a:p>
-        </p:txBody>
-      </p:sp>
-      <p:sp>
-        <p:nvSpPr>
-          <p:cNvPr id="16" name="Прямоугольник 15">
-            <a:extLst>
-              <a:ext uri="{FF2B5EF4-FFF2-40B4-BE49-F238E27FC236}">
-                <a16:creationId xmlns:a16="http://schemas.microsoft.com/office/drawing/2014/main" id="{BC609EA5-CB12-4BD3-987F-959E7C0255B7}"/>
-              </a:ext>
-            </a:extLst>
-          </p:cNvPr>
-          <p:cNvSpPr/>
-          <p:nvPr/>
-        </p:nvSpPr>
-        <p:spPr>
-          <a:xfrm>
-            <a:off x="10355132" y="3880623"/>
-            <a:ext cx="1836867" cy="2609387"/>
-          </a:xfrm>
-          <a:prstGeom prst="rect">
-            <a:avLst/>
-          </a:prstGeom>
-          <a:noFill/>
-          <a:ln w="76200"/>
-        </p:spPr>
-        <p:style>
-          <a:lnRef idx="2">
-            <a:schemeClr val="accent1">
-              <a:shade val="50000"/>
-            </a:schemeClr>
-          </a:lnRef>
-          <a:fillRef idx="1">
-            <a:schemeClr val="accent1"/>
-          </a:fillRef>
-          <a:effectRef idx="0">
-            <a:schemeClr val="accent1"/>
-          </a:effectRef>
-          <a:fontRef idx="minor">
-            <a:schemeClr val="lt1"/>
-          </a:fontRef>
-        </p:style>
-        <p:txBody>
-          <a:bodyPr rtlCol="0" anchor="ctr"/>
-          <a:lstStyle/>
-          <a:p>
-            <a:pPr algn="ctr"/>
-            <a:r>
-              <a:rPr lang="ru-RU" dirty="0"/>
-              <a:t>Анализ спроса на продукцию</a:t>
-            </a:r>
-          </a:p>
-        </p:txBody>
-      </p:sp>
-      <p:sp>
-        <p:nvSpPr>
-          <p:cNvPr id="2" name="Стрелка: вправо 1">
-            <a:extLst>
-              <a:ext uri="{FF2B5EF4-FFF2-40B4-BE49-F238E27FC236}">
-                <a16:creationId xmlns:a16="http://schemas.microsoft.com/office/drawing/2014/main" id="{11D7A5C7-458B-4FB7-A9FF-3714FB5AF7CD}"/>
-              </a:ext>
-            </a:extLst>
-          </p:cNvPr>
-          <p:cNvSpPr/>
-          <p:nvPr/>
-        </p:nvSpPr>
-        <p:spPr>
-          <a:xfrm>
-            <a:off x="6520566" y="5771199"/>
-            <a:ext cx="3760857" cy="484632"/>
-          </a:xfrm>
-          <a:prstGeom prst="rightArrow">
-            <a:avLst/>
-          </a:prstGeom>
-        </p:spPr>
-        <p:style>
-          <a:lnRef idx="2">
-            <a:schemeClr val="accent1">
-              <a:shade val="50000"/>
-            </a:schemeClr>
-          </a:lnRef>
-          <a:fillRef idx="1">
-            <a:schemeClr val="accent1"/>
-          </a:fillRef>
-          <a:effectRef idx="0">
-            <a:schemeClr val="accent1"/>
-          </a:effectRef>
-          <a:fontRef idx="minor">
-            <a:schemeClr val="lt1"/>
-          </a:fontRef>
-        </p:style>
-        <p:txBody>
-          <a:bodyPr rtlCol="0" anchor="ctr"/>
-          <a:lstStyle/>
-          <a:p>
-            <a:pPr algn="ctr"/>
-            <a:endParaRPr lang="ru-RU"/>
+              <a:t>Математическое суммирование по похожим профессиям или предоставления услуг.</a:t>
+            </a:r>
           </a:p>
         </p:txBody>
       </p:sp>
     </p:spTree>
     <p:extLst>
       <p:ext uri="{BB962C8B-B14F-4D97-AF65-F5344CB8AC3E}">
-        <p14:creationId xmlns:p14="http://schemas.microsoft.com/office/powerpoint/2010/main" val="3952402134"/>
+        <p14:creationId xmlns:p14="http://schemas.microsoft.com/office/powerpoint/2010/main" val="3277830205"/>
       </p:ext>
     </p:extLst>
   </p:cSld>
@@ -7732,6 +6335,36 @@
           <a:chExt cx="0" cy="0"/>
         </a:xfrm>
       </p:grpSpPr>
+    </p:spTree>
+    <p:extLst>
+      <p:ext uri="{BB962C8B-B14F-4D97-AF65-F5344CB8AC3E}">
+        <p14:creationId xmlns:p14="http://schemas.microsoft.com/office/powerpoint/2010/main" val="121952588"/>
+      </p:ext>
+    </p:extLst>
+  </p:cSld>
+  <p:clrMapOvr>
+    <a:masterClrMapping/>
+  </p:clrMapOvr>
+</p:sld>
+</file>
+
+<file path=ppt/slides/slide4.xml><?xml version="1.0" encoding="utf-8"?>
+<p:sld xmlns:a="http://schemas.openxmlformats.org/drawingml/2006/main" xmlns:r="http://schemas.openxmlformats.org/officeDocument/2006/relationships" xmlns:p="http://schemas.openxmlformats.org/presentationml/2006/main">
+  <p:cSld>
+    <p:spTree>
+      <p:nvGrpSpPr>
+        <p:cNvPr id="1" name=""/>
+        <p:cNvGrpSpPr/>
+        <p:nvPr/>
+      </p:nvGrpSpPr>
+      <p:grpSpPr>
+        <a:xfrm>
+          <a:off x="0" y="0"/>
+          <a:ext cx="0" cy="0"/>
+          <a:chOff x="0" y="0"/>
+          <a:chExt cx="0" cy="0"/>
+        </a:xfrm>
+      </p:grpSpPr>
       <p:sp>
         <p:nvSpPr>
           <p:cNvPr id="4" name="Прямоугольник 3">
@@ -7746,6 +6379,1738 @@
         </p:nvSpPr>
         <p:spPr>
           <a:xfrm>
+            <a:off x="501806" y="434897"/>
+            <a:ext cx="2698594" cy="1449659"/>
+          </a:xfrm>
+          <a:prstGeom prst="rect">
+            <a:avLst/>
+          </a:prstGeom>
+          <a:noFill/>
+          <a:ln w="76200"/>
+        </p:spPr>
+        <p:style>
+          <a:lnRef idx="2">
+            <a:schemeClr val="accent1">
+              <a:shade val="50000"/>
+            </a:schemeClr>
+          </a:lnRef>
+          <a:fillRef idx="1">
+            <a:schemeClr val="accent1"/>
+          </a:fillRef>
+          <a:effectRef idx="0">
+            <a:schemeClr val="accent1"/>
+          </a:effectRef>
+          <a:fontRef idx="minor">
+            <a:schemeClr val="lt1"/>
+          </a:fontRef>
+        </p:style>
+        <p:txBody>
+          <a:bodyPr rtlCol="0" anchor="ctr"/>
+          <a:lstStyle/>
+          <a:p>
+            <a:pPr algn="ctr"/>
+            <a:r>
+              <a:rPr lang="ru-RU" dirty="0"/>
+              <a:t>1.       Имя объявления</a:t>
+            </a:r>
+          </a:p>
+          <a:p>
+            <a:pPr algn="ctr"/>
+            <a:r>
+              <a:rPr lang="ru-RU" dirty="0"/>
+              <a:t>2. Место нахождения</a:t>
+            </a:r>
+          </a:p>
+          <a:p>
+            <a:pPr algn="ctr"/>
+            <a:r>
+              <a:rPr lang="ru-RU" dirty="0"/>
+              <a:t>3.      Пред заработок</a:t>
+            </a:r>
+          </a:p>
+          <a:p>
+            <a:pPr algn="ctr"/>
+            <a:r>
+              <a:rPr lang="ru-RU" dirty="0"/>
+              <a:t>4.        Специальность</a:t>
+            </a:r>
+          </a:p>
+          <a:p>
+            <a:pPr algn="ctr"/>
+            <a:r>
+              <a:rPr lang="ru-RU" dirty="0"/>
+              <a:t>5.                           опыт</a:t>
+            </a:r>
+          </a:p>
+        </p:txBody>
+      </p:sp>
+      <p:sp>
+        <p:nvSpPr>
+          <p:cNvPr id="5" name="Прямоугольник 4">
+            <a:extLst>
+              <a:ext uri="{FF2B5EF4-FFF2-40B4-BE49-F238E27FC236}">
+                <a16:creationId xmlns:a16="http://schemas.microsoft.com/office/drawing/2014/main" id="{603E2904-B707-4A70-925B-598113D79B02}"/>
+              </a:ext>
+            </a:extLst>
+          </p:cNvPr>
+          <p:cNvSpPr/>
+          <p:nvPr/>
+        </p:nvSpPr>
+        <p:spPr>
+          <a:xfrm>
+            <a:off x="501806" y="2207941"/>
+            <a:ext cx="2542478" cy="1449659"/>
+          </a:xfrm>
+          <a:prstGeom prst="rect">
+            <a:avLst/>
+          </a:prstGeom>
+          <a:noFill/>
+          <a:ln w="76200"/>
+        </p:spPr>
+        <p:style>
+          <a:lnRef idx="2">
+            <a:schemeClr val="accent1">
+              <a:shade val="50000"/>
+            </a:schemeClr>
+          </a:lnRef>
+          <a:fillRef idx="1">
+            <a:schemeClr val="accent1"/>
+          </a:fillRef>
+          <a:effectRef idx="0">
+            <a:schemeClr val="accent1"/>
+          </a:effectRef>
+          <a:fontRef idx="minor">
+            <a:schemeClr val="lt1"/>
+          </a:fontRef>
+        </p:style>
+        <p:txBody>
+          <a:bodyPr rtlCol="0" anchor="ctr"/>
+          <a:lstStyle/>
+          <a:p>
+            <a:pPr algn="ctr"/>
+            <a:r>
+              <a:rPr lang="ru-RU" dirty="0"/>
+              <a:t>1.                         ФИО</a:t>
+            </a:r>
+          </a:p>
+          <a:p>
+            <a:pPr algn="ctr"/>
+            <a:r>
+              <a:rPr lang="ru-RU" dirty="0"/>
+              <a:t>2.                   Возраст</a:t>
+            </a:r>
+          </a:p>
+          <a:p>
+            <a:pPr algn="ctr"/>
+            <a:r>
+              <a:rPr lang="ru-RU" dirty="0"/>
+              <a:t>3.                     Гендер</a:t>
+            </a:r>
+          </a:p>
+          <a:p>
+            <a:pPr algn="ctr"/>
+            <a:r>
+              <a:rPr lang="ru-RU" dirty="0"/>
+              <a:t>4.         Образование</a:t>
+            </a:r>
+          </a:p>
+          <a:p>
+            <a:pPr algn="ctr"/>
+            <a:r>
+              <a:rPr lang="ru-RU" dirty="0"/>
+              <a:t>5.      специальность</a:t>
+            </a:r>
+          </a:p>
+        </p:txBody>
+      </p:sp>
+      <p:sp>
+        <p:nvSpPr>
+          <p:cNvPr id="6" name="Прямоугольник 5">
+            <a:extLst>
+              <a:ext uri="{FF2B5EF4-FFF2-40B4-BE49-F238E27FC236}">
+                <a16:creationId xmlns:a16="http://schemas.microsoft.com/office/drawing/2014/main" id="{9980EB36-DC8F-4EE7-896F-59D7B6091F92}"/>
+              </a:ext>
+            </a:extLst>
+          </p:cNvPr>
+          <p:cNvSpPr/>
+          <p:nvPr/>
+        </p:nvSpPr>
+        <p:spPr>
+          <a:xfrm>
+            <a:off x="501806" y="3969834"/>
+            <a:ext cx="2542478" cy="1449659"/>
+          </a:xfrm>
+          <a:prstGeom prst="rect">
+            <a:avLst/>
+          </a:prstGeom>
+          <a:noFill/>
+          <a:ln w="76200"/>
+        </p:spPr>
+        <p:style>
+          <a:lnRef idx="2">
+            <a:schemeClr val="accent1">
+              <a:shade val="50000"/>
+            </a:schemeClr>
+          </a:lnRef>
+          <a:fillRef idx="1">
+            <a:schemeClr val="accent1"/>
+          </a:fillRef>
+          <a:effectRef idx="0">
+            <a:schemeClr val="accent1"/>
+          </a:effectRef>
+          <a:fontRef idx="minor">
+            <a:schemeClr val="lt1"/>
+          </a:fontRef>
+        </p:style>
+        <p:txBody>
+          <a:bodyPr rtlCol="0" anchor="ctr"/>
+          <a:lstStyle/>
+          <a:p>
+            <a:pPr algn="ctr"/>
+            <a:r>
+              <a:rPr lang="ru-RU" dirty="0"/>
+              <a:t>1.          Предприятие</a:t>
+            </a:r>
+          </a:p>
+          <a:p>
+            <a:pPr marL="342900" indent="-342900" algn="ctr">
+              <a:buAutoNum type="arabicPeriod" startAt="2"/>
+            </a:pPr>
+            <a:r>
+              <a:rPr lang="ru-RU" dirty="0"/>
+              <a:t>Отделы</a:t>
+            </a:r>
+          </a:p>
+          <a:p>
+            <a:pPr marL="342900" indent="-342900" algn="ctr">
+              <a:buAutoNum type="arabicPeriod" startAt="2"/>
+            </a:pPr>
+            <a:r>
+              <a:rPr lang="ru-RU" dirty="0"/>
+              <a:t>Род деятельности</a:t>
+            </a:r>
+          </a:p>
+        </p:txBody>
+      </p:sp>
+      <p:sp>
+        <p:nvSpPr>
+          <p:cNvPr id="7" name="Прямоугольник 6">
+            <a:extLst>
+              <a:ext uri="{FF2B5EF4-FFF2-40B4-BE49-F238E27FC236}">
+                <a16:creationId xmlns:a16="http://schemas.microsoft.com/office/drawing/2014/main" id="{4AEF5F46-1274-48E2-B478-CF3759A9D91D}"/>
+              </a:ext>
+            </a:extLst>
+          </p:cNvPr>
+          <p:cNvSpPr/>
+          <p:nvPr/>
+        </p:nvSpPr>
+        <p:spPr>
+          <a:xfrm>
+            <a:off x="3947533" y="434897"/>
+            <a:ext cx="2542478" cy="1449659"/>
+          </a:xfrm>
+          <a:prstGeom prst="rect">
+            <a:avLst/>
+          </a:prstGeom>
+          <a:noFill/>
+          <a:ln w="76200"/>
+        </p:spPr>
+        <p:style>
+          <a:lnRef idx="2">
+            <a:schemeClr val="accent1">
+              <a:shade val="50000"/>
+            </a:schemeClr>
+          </a:lnRef>
+          <a:fillRef idx="1">
+            <a:schemeClr val="accent1"/>
+          </a:fillRef>
+          <a:effectRef idx="0">
+            <a:schemeClr val="accent1"/>
+          </a:effectRef>
+          <a:fontRef idx="minor">
+            <a:schemeClr val="lt1"/>
+          </a:fontRef>
+        </p:style>
+        <p:txBody>
+          <a:bodyPr rtlCol="0" anchor="ctr"/>
+          <a:lstStyle/>
+          <a:p>
+            <a:pPr marL="342900" indent="-342900" algn="ctr">
+              <a:buAutoNum type="arabicPeriod"/>
+            </a:pPr>
+            <a:r>
+              <a:rPr lang="ru-RU" dirty="0"/>
+              <a:t>Сбор вакансий</a:t>
+            </a:r>
+          </a:p>
+          <a:p>
+            <a:pPr marL="342900" indent="-342900" algn="ctr">
+              <a:buAutoNum type="arabicPeriod"/>
+            </a:pPr>
+            <a:r>
+              <a:rPr lang="ru-RU" dirty="0"/>
+              <a:t>      Сортировка</a:t>
+            </a:r>
+          </a:p>
+          <a:p>
+            <a:pPr marL="342900" indent="-342900" algn="ctr">
+              <a:buAutoNum type="arabicPeriod"/>
+            </a:pPr>
+            <a:r>
+              <a:rPr lang="ru-RU" dirty="0"/>
+              <a:t>             Подсчет</a:t>
+            </a:r>
+          </a:p>
+        </p:txBody>
+      </p:sp>
+      <p:sp>
+        <p:nvSpPr>
+          <p:cNvPr id="8" name="Прямоугольник 7">
+            <a:extLst>
+              <a:ext uri="{FF2B5EF4-FFF2-40B4-BE49-F238E27FC236}">
+                <a16:creationId xmlns:a16="http://schemas.microsoft.com/office/drawing/2014/main" id="{786A6938-7424-4640-BDF1-2812FE477FFE}"/>
+              </a:ext>
+            </a:extLst>
+          </p:cNvPr>
+          <p:cNvSpPr/>
+          <p:nvPr/>
+        </p:nvSpPr>
+        <p:spPr>
+          <a:xfrm>
+            <a:off x="3947533" y="2196790"/>
+            <a:ext cx="2843560" cy="1126274"/>
+          </a:xfrm>
+          <a:prstGeom prst="rect">
+            <a:avLst/>
+          </a:prstGeom>
+          <a:noFill/>
+          <a:ln w="76200"/>
+        </p:spPr>
+        <p:style>
+          <a:lnRef idx="2">
+            <a:schemeClr val="accent1">
+              <a:shade val="50000"/>
+            </a:schemeClr>
+          </a:lnRef>
+          <a:fillRef idx="1">
+            <a:schemeClr val="accent1"/>
+          </a:fillRef>
+          <a:effectRef idx="0">
+            <a:schemeClr val="accent1"/>
+          </a:effectRef>
+          <a:fontRef idx="minor">
+            <a:schemeClr val="lt1"/>
+          </a:fontRef>
+        </p:style>
+        <p:txBody>
+          <a:bodyPr rtlCol="0" anchor="ctr"/>
+          <a:lstStyle/>
+          <a:p>
+            <a:pPr marL="342900" indent="-342900" algn="ctr">
+              <a:buAutoNum type="arabicPeriod"/>
+            </a:pPr>
+            <a:r>
+              <a:rPr lang="ru-RU" dirty="0"/>
+              <a:t>Сбор предложений</a:t>
+            </a:r>
+          </a:p>
+          <a:p>
+            <a:pPr marL="342900" indent="-342900" algn="ctr">
+              <a:buAutoNum type="arabicPeriod"/>
+            </a:pPr>
+            <a:r>
+              <a:rPr lang="ru-RU" dirty="0"/>
+              <a:t>              Сортировка</a:t>
+            </a:r>
+          </a:p>
+          <a:p>
+            <a:pPr marL="342900" indent="-342900" algn="ctr">
+              <a:buAutoNum type="arabicPeriod"/>
+            </a:pPr>
+            <a:r>
+              <a:rPr lang="ru-RU" dirty="0"/>
+              <a:t>                     Подсчет</a:t>
+            </a:r>
+          </a:p>
+          <a:p>
+            <a:pPr algn="ctr"/>
+            <a:endParaRPr lang="ru-RU" dirty="0"/>
+          </a:p>
+        </p:txBody>
+      </p:sp>
+      <p:sp>
+        <p:nvSpPr>
+          <p:cNvPr id="9" name="Прямоугольник 8">
+            <a:extLst>
+              <a:ext uri="{FF2B5EF4-FFF2-40B4-BE49-F238E27FC236}">
+                <a16:creationId xmlns:a16="http://schemas.microsoft.com/office/drawing/2014/main" id="{1AF010F1-7B41-4E00-AE23-CAAFD70E61E7}"/>
+              </a:ext>
+            </a:extLst>
+          </p:cNvPr>
+          <p:cNvSpPr/>
+          <p:nvPr/>
+        </p:nvSpPr>
+        <p:spPr>
+          <a:xfrm>
+            <a:off x="3947533" y="3757960"/>
+            <a:ext cx="2542478" cy="1449659"/>
+          </a:xfrm>
+          <a:prstGeom prst="rect">
+            <a:avLst/>
+          </a:prstGeom>
+          <a:noFill/>
+          <a:ln w="76200"/>
+        </p:spPr>
+        <p:style>
+          <a:lnRef idx="2">
+            <a:schemeClr val="accent1">
+              <a:shade val="50000"/>
+            </a:schemeClr>
+          </a:lnRef>
+          <a:fillRef idx="1">
+            <a:schemeClr val="accent1"/>
+          </a:fillRef>
+          <a:effectRef idx="0">
+            <a:schemeClr val="accent1"/>
+          </a:effectRef>
+          <a:fontRef idx="minor">
+            <a:schemeClr val="lt1"/>
+          </a:fontRef>
+        </p:style>
+        <p:txBody>
+          <a:bodyPr rtlCol="0" anchor="ctr"/>
+          <a:lstStyle/>
+          <a:p>
+            <a:pPr marL="342900" indent="-342900" algn="ctr">
+              <a:buAutoNum type="arabicPeriod"/>
+            </a:pPr>
+            <a:r>
+              <a:rPr lang="ru-RU" dirty="0"/>
+              <a:t>       Сбор данных предприятий</a:t>
+            </a:r>
+          </a:p>
+          <a:p>
+            <a:pPr marL="342900" indent="-342900" algn="ctr">
+              <a:buAutoNum type="arabicPeriod"/>
+            </a:pPr>
+            <a:r>
+              <a:rPr lang="ru-RU" dirty="0"/>
+              <a:t>   Анализ отделов</a:t>
+            </a:r>
+          </a:p>
+          <a:p>
+            <a:pPr marL="342900" indent="-342900" algn="ctr">
+              <a:buAutoNum type="arabicPeriod"/>
+            </a:pPr>
+            <a:r>
+              <a:rPr lang="ru-RU" dirty="0"/>
+              <a:t>                  Анализ деятельности</a:t>
+            </a:r>
+          </a:p>
+        </p:txBody>
+      </p:sp>
+      <p:sp>
+        <p:nvSpPr>
+          <p:cNvPr id="10" name="Прямоугольник 9">
+            <a:extLst>
+              <a:ext uri="{FF2B5EF4-FFF2-40B4-BE49-F238E27FC236}">
+                <a16:creationId xmlns:a16="http://schemas.microsoft.com/office/drawing/2014/main" id="{CCC08EF5-0ECD-4B01-8EFA-F8EE05293ECD}"/>
+              </a:ext>
+            </a:extLst>
+          </p:cNvPr>
+          <p:cNvSpPr/>
+          <p:nvPr/>
+        </p:nvSpPr>
+        <p:spPr>
+          <a:xfrm>
+            <a:off x="7237144" y="323385"/>
+            <a:ext cx="2542478" cy="2051825"/>
+          </a:xfrm>
+          <a:prstGeom prst="rect">
+            <a:avLst/>
+          </a:prstGeom>
+          <a:noFill/>
+          <a:ln w="76200"/>
+        </p:spPr>
+        <p:style>
+          <a:lnRef idx="2">
+            <a:schemeClr val="accent1">
+              <a:shade val="50000"/>
+            </a:schemeClr>
+          </a:lnRef>
+          <a:fillRef idx="1">
+            <a:schemeClr val="accent1"/>
+          </a:fillRef>
+          <a:effectRef idx="0">
+            <a:schemeClr val="accent1"/>
+          </a:effectRef>
+          <a:fontRef idx="minor">
+            <a:schemeClr val="lt1"/>
+          </a:fontRef>
+        </p:style>
+        <p:txBody>
+          <a:bodyPr rtlCol="0" anchor="ctr"/>
+          <a:lstStyle/>
+          <a:p>
+            <a:pPr marL="342900" indent="-342900" algn="ctr">
+              <a:buAutoNum type="arabicPeriod"/>
+            </a:pPr>
+            <a:r>
+              <a:rPr lang="ru-RU" dirty="0"/>
+              <a:t>                  Анализ сравнения</a:t>
+            </a:r>
+          </a:p>
+          <a:p>
+            <a:pPr marL="342900" indent="-342900" algn="ctr">
+              <a:buAutoNum type="arabicPeriod"/>
+            </a:pPr>
+            <a:r>
+              <a:rPr lang="ru-RU" dirty="0"/>
+              <a:t>   Вывод спроса в соотношении</a:t>
+            </a:r>
+          </a:p>
+          <a:p>
+            <a:pPr marL="342900" indent="-342900" algn="ctr">
+              <a:buAutoNum type="arabicPeriod"/>
+            </a:pPr>
+            <a:r>
+              <a:rPr lang="ru-RU" dirty="0"/>
+              <a:t>                 Анализ загруженности рынка</a:t>
+            </a:r>
+          </a:p>
+        </p:txBody>
+      </p:sp>
+      <p:sp>
+        <p:nvSpPr>
+          <p:cNvPr id="11" name="Прямоугольник 10">
+            <a:extLst>
+              <a:ext uri="{FF2B5EF4-FFF2-40B4-BE49-F238E27FC236}">
+                <a16:creationId xmlns:a16="http://schemas.microsoft.com/office/drawing/2014/main" id="{2B24072F-8F8E-4288-B01A-EEA8A2B0A203}"/>
+              </a:ext>
+            </a:extLst>
+          </p:cNvPr>
+          <p:cNvSpPr/>
+          <p:nvPr/>
+        </p:nvSpPr>
+        <p:spPr>
+          <a:xfrm>
+            <a:off x="7393260" y="3657599"/>
+            <a:ext cx="2542478" cy="2319455"/>
+          </a:xfrm>
+          <a:prstGeom prst="rect">
+            <a:avLst/>
+          </a:prstGeom>
+          <a:noFill/>
+          <a:ln w="76200"/>
+        </p:spPr>
+        <p:style>
+          <a:lnRef idx="2">
+            <a:schemeClr val="accent1">
+              <a:shade val="50000"/>
+            </a:schemeClr>
+          </a:lnRef>
+          <a:fillRef idx="1">
+            <a:schemeClr val="accent1"/>
+          </a:fillRef>
+          <a:effectRef idx="0">
+            <a:schemeClr val="accent1"/>
+          </a:effectRef>
+          <a:fontRef idx="minor">
+            <a:schemeClr val="lt1"/>
+          </a:fontRef>
+        </p:style>
+        <p:txBody>
+          <a:bodyPr rtlCol="0" anchor="ctr"/>
+          <a:lstStyle/>
+          <a:p>
+            <a:pPr marL="342900" indent="-342900" algn="ctr">
+              <a:buAutoNum type="arabicPeriod"/>
+            </a:pPr>
+            <a:r>
+              <a:rPr lang="ru-RU" dirty="0"/>
+              <a:t>Анализ возможности новой профессии</a:t>
+            </a:r>
+          </a:p>
+          <a:p>
+            <a:pPr marL="342900" indent="-342900" algn="ctr">
+              <a:buAutoNum type="arabicPeriod"/>
+            </a:pPr>
+            <a:r>
+              <a:rPr lang="ru-RU" dirty="0"/>
+              <a:t>Вывод предполагаемых профессий</a:t>
+            </a:r>
+          </a:p>
+        </p:txBody>
+      </p:sp>
+      <p:sp>
+        <p:nvSpPr>
+          <p:cNvPr id="12" name="Стрелка: вправо 11">
+            <a:extLst>
+              <a:ext uri="{FF2B5EF4-FFF2-40B4-BE49-F238E27FC236}">
+                <a16:creationId xmlns:a16="http://schemas.microsoft.com/office/drawing/2014/main" id="{479728D8-0110-41B4-AA17-DA014ADEE78D}"/>
+              </a:ext>
+            </a:extLst>
+          </p:cNvPr>
+          <p:cNvSpPr/>
+          <p:nvPr/>
+        </p:nvSpPr>
+        <p:spPr>
+          <a:xfrm>
+            <a:off x="3217127" y="1106981"/>
+            <a:ext cx="713678" cy="484632"/>
+          </a:xfrm>
+          <a:prstGeom prst="rightArrow">
+            <a:avLst/>
+          </a:prstGeom>
+        </p:spPr>
+        <p:style>
+          <a:lnRef idx="2">
+            <a:schemeClr val="accent1">
+              <a:shade val="50000"/>
+            </a:schemeClr>
+          </a:lnRef>
+          <a:fillRef idx="1">
+            <a:schemeClr val="accent1"/>
+          </a:fillRef>
+          <a:effectRef idx="0">
+            <a:schemeClr val="accent1"/>
+          </a:effectRef>
+          <a:fontRef idx="minor">
+            <a:schemeClr val="lt1"/>
+          </a:fontRef>
+        </p:style>
+        <p:txBody>
+          <a:bodyPr rtlCol="0" anchor="ctr"/>
+          <a:lstStyle/>
+          <a:p>
+            <a:pPr algn="ctr"/>
+            <a:endParaRPr lang="ru-RU"/>
+          </a:p>
+        </p:txBody>
+      </p:sp>
+      <p:sp>
+        <p:nvSpPr>
+          <p:cNvPr id="13" name="Стрелка: вправо 12">
+            <a:extLst>
+              <a:ext uri="{FF2B5EF4-FFF2-40B4-BE49-F238E27FC236}">
+                <a16:creationId xmlns:a16="http://schemas.microsoft.com/office/drawing/2014/main" id="{3DEE0777-C8DC-4BD5-B7E9-C423BD33A1DF}"/>
+              </a:ext>
+            </a:extLst>
+          </p:cNvPr>
+          <p:cNvSpPr/>
+          <p:nvPr/>
+        </p:nvSpPr>
+        <p:spPr>
+          <a:xfrm>
+            <a:off x="3084762" y="2615408"/>
+            <a:ext cx="713678" cy="484632"/>
+          </a:xfrm>
+          <a:prstGeom prst="rightArrow">
+            <a:avLst/>
+          </a:prstGeom>
+        </p:spPr>
+        <p:style>
+          <a:lnRef idx="2">
+            <a:schemeClr val="accent1">
+              <a:shade val="50000"/>
+            </a:schemeClr>
+          </a:lnRef>
+          <a:fillRef idx="1">
+            <a:schemeClr val="accent1"/>
+          </a:fillRef>
+          <a:effectRef idx="0">
+            <a:schemeClr val="accent1"/>
+          </a:effectRef>
+          <a:fontRef idx="minor">
+            <a:schemeClr val="lt1"/>
+          </a:fontRef>
+        </p:style>
+        <p:txBody>
+          <a:bodyPr rtlCol="0" anchor="ctr"/>
+          <a:lstStyle/>
+          <a:p>
+            <a:pPr algn="ctr"/>
+            <a:endParaRPr lang="ru-RU"/>
+          </a:p>
+        </p:txBody>
+      </p:sp>
+      <p:sp>
+        <p:nvSpPr>
+          <p:cNvPr id="14" name="Стрелка: вправо 13">
+            <a:extLst>
+              <a:ext uri="{FF2B5EF4-FFF2-40B4-BE49-F238E27FC236}">
+                <a16:creationId xmlns:a16="http://schemas.microsoft.com/office/drawing/2014/main" id="{3EC026D3-2791-4F51-BC6B-A30E2CB826A5}"/>
+              </a:ext>
+            </a:extLst>
+          </p:cNvPr>
+          <p:cNvSpPr/>
+          <p:nvPr/>
+        </p:nvSpPr>
+        <p:spPr>
+          <a:xfrm>
+            <a:off x="3061011" y="4575010"/>
+            <a:ext cx="869794" cy="484632"/>
+          </a:xfrm>
+          <a:prstGeom prst="rightArrow">
+            <a:avLst/>
+          </a:prstGeom>
+        </p:spPr>
+        <p:style>
+          <a:lnRef idx="2">
+            <a:schemeClr val="accent1">
+              <a:shade val="50000"/>
+            </a:schemeClr>
+          </a:lnRef>
+          <a:fillRef idx="1">
+            <a:schemeClr val="accent1"/>
+          </a:fillRef>
+          <a:effectRef idx="0">
+            <a:schemeClr val="accent1"/>
+          </a:effectRef>
+          <a:fontRef idx="minor">
+            <a:schemeClr val="lt1"/>
+          </a:fontRef>
+        </p:style>
+        <p:txBody>
+          <a:bodyPr rtlCol="0" anchor="ctr"/>
+          <a:lstStyle/>
+          <a:p>
+            <a:pPr algn="ctr"/>
+            <a:endParaRPr lang="ru-RU"/>
+          </a:p>
+        </p:txBody>
+      </p:sp>
+      <p:sp>
+        <p:nvSpPr>
+          <p:cNvPr id="15" name="Стрелка: вправо 14">
+            <a:extLst>
+              <a:ext uri="{FF2B5EF4-FFF2-40B4-BE49-F238E27FC236}">
+                <a16:creationId xmlns:a16="http://schemas.microsoft.com/office/drawing/2014/main" id="{9036E1E4-2776-4A9D-B6E2-A25C4FCD4FCB}"/>
+              </a:ext>
+            </a:extLst>
+          </p:cNvPr>
+          <p:cNvSpPr/>
+          <p:nvPr/>
+        </p:nvSpPr>
+        <p:spPr>
+          <a:xfrm>
+            <a:off x="6490011" y="1260088"/>
+            <a:ext cx="657921" cy="484632"/>
+          </a:xfrm>
+          <a:prstGeom prst="rightArrow">
+            <a:avLst/>
+          </a:prstGeom>
+        </p:spPr>
+        <p:style>
+          <a:lnRef idx="2">
+            <a:schemeClr val="accent1">
+              <a:shade val="50000"/>
+            </a:schemeClr>
+          </a:lnRef>
+          <a:fillRef idx="1">
+            <a:schemeClr val="accent1"/>
+          </a:fillRef>
+          <a:effectRef idx="0">
+            <a:schemeClr val="accent1"/>
+          </a:effectRef>
+          <a:fontRef idx="minor">
+            <a:schemeClr val="lt1"/>
+          </a:fontRef>
+        </p:style>
+        <p:txBody>
+          <a:bodyPr rtlCol="0" anchor="ctr"/>
+          <a:lstStyle/>
+          <a:p>
+            <a:pPr algn="ctr"/>
+            <a:endParaRPr lang="ru-RU"/>
+          </a:p>
+        </p:txBody>
+      </p:sp>
+      <p:sp>
+        <p:nvSpPr>
+          <p:cNvPr id="17" name="Стрелка: изогнутая вверх 16">
+            <a:extLst>
+              <a:ext uri="{FF2B5EF4-FFF2-40B4-BE49-F238E27FC236}">
+                <a16:creationId xmlns:a16="http://schemas.microsoft.com/office/drawing/2014/main" id="{36D25FA0-F1DA-4D1E-B205-0A99BFFE27E5}"/>
+              </a:ext>
+            </a:extLst>
+          </p:cNvPr>
+          <p:cNvSpPr/>
+          <p:nvPr/>
+        </p:nvSpPr>
+        <p:spPr>
+          <a:xfrm>
+            <a:off x="6843950" y="2446579"/>
+            <a:ext cx="850392" cy="731520"/>
+          </a:xfrm>
+          <a:prstGeom prst="bentUpArrow">
+            <a:avLst/>
+          </a:prstGeom>
+        </p:spPr>
+        <p:style>
+          <a:lnRef idx="2">
+            <a:schemeClr val="accent1">
+              <a:shade val="50000"/>
+            </a:schemeClr>
+          </a:lnRef>
+          <a:fillRef idx="1">
+            <a:schemeClr val="accent1"/>
+          </a:fillRef>
+          <a:effectRef idx="0">
+            <a:schemeClr val="accent1"/>
+          </a:effectRef>
+          <a:fontRef idx="minor">
+            <a:schemeClr val="lt1"/>
+          </a:fontRef>
+        </p:style>
+        <p:txBody>
+          <a:bodyPr rtlCol="0" anchor="ctr"/>
+          <a:lstStyle/>
+          <a:p>
+            <a:pPr algn="ctr"/>
+            <a:endParaRPr lang="ru-RU"/>
+          </a:p>
+        </p:txBody>
+      </p:sp>
+      <p:sp>
+        <p:nvSpPr>
+          <p:cNvPr id="18" name="Стрелка: вправо 17">
+            <a:extLst>
+              <a:ext uri="{FF2B5EF4-FFF2-40B4-BE49-F238E27FC236}">
+                <a16:creationId xmlns:a16="http://schemas.microsoft.com/office/drawing/2014/main" id="{6ADB856B-198A-463E-A775-29C3E56D5630}"/>
+              </a:ext>
+            </a:extLst>
+          </p:cNvPr>
+          <p:cNvSpPr/>
+          <p:nvPr/>
+        </p:nvSpPr>
+        <p:spPr>
+          <a:xfrm>
+            <a:off x="6477411" y="4363137"/>
+            <a:ext cx="759733" cy="484632"/>
+          </a:xfrm>
+          <a:prstGeom prst="rightArrow">
+            <a:avLst/>
+          </a:prstGeom>
+        </p:spPr>
+        <p:style>
+          <a:lnRef idx="2">
+            <a:schemeClr val="accent1">
+              <a:shade val="50000"/>
+            </a:schemeClr>
+          </a:lnRef>
+          <a:fillRef idx="1">
+            <a:schemeClr val="accent1"/>
+          </a:fillRef>
+          <a:effectRef idx="0">
+            <a:schemeClr val="accent1"/>
+          </a:effectRef>
+          <a:fontRef idx="minor">
+            <a:schemeClr val="lt1"/>
+          </a:fontRef>
+        </p:style>
+        <p:txBody>
+          <a:bodyPr rtlCol="0" anchor="ctr"/>
+          <a:lstStyle/>
+          <a:p>
+            <a:pPr algn="ctr"/>
+            <a:endParaRPr lang="ru-RU"/>
+          </a:p>
+        </p:txBody>
+      </p:sp>
+    </p:spTree>
+    <p:extLst>
+      <p:ext uri="{BB962C8B-B14F-4D97-AF65-F5344CB8AC3E}">
+        <p14:creationId xmlns:p14="http://schemas.microsoft.com/office/powerpoint/2010/main" val="4143333484"/>
+      </p:ext>
+    </p:extLst>
+  </p:cSld>
+  <p:clrMapOvr>
+    <a:masterClrMapping/>
+  </p:clrMapOvr>
+</p:sld>
+</file>
+
+<file path=ppt/slides/slide5.xml><?xml version="1.0" encoding="utf-8"?>
+<p:sld xmlns:a="http://schemas.openxmlformats.org/drawingml/2006/main" xmlns:r="http://schemas.openxmlformats.org/officeDocument/2006/relationships" xmlns:p="http://schemas.openxmlformats.org/presentationml/2006/main">
+  <p:cSld>
+    <p:spTree>
+      <p:nvGrpSpPr>
+        <p:cNvPr id="1" name=""/>
+        <p:cNvGrpSpPr/>
+        <p:nvPr/>
+      </p:nvGrpSpPr>
+      <p:grpSpPr>
+        <a:xfrm>
+          <a:off x="0" y="0"/>
+          <a:ext cx="0" cy="0"/>
+          <a:chOff x="0" y="0"/>
+          <a:chExt cx="0" cy="0"/>
+        </a:xfrm>
+      </p:grpSpPr>
+      <p:sp>
+        <p:nvSpPr>
+          <p:cNvPr id="4" name="Прямоугольник 3">
+            <a:extLst>
+              <a:ext uri="{FF2B5EF4-FFF2-40B4-BE49-F238E27FC236}">
+                <a16:creationId xmlns:a16="http://schemas.microsoft.com/office/drawing/2014/main" id="{BE031761-F69D-40BF-937F-6753830558B2}"/>
+              </a:ext>
+            </a:extLst>
+          </p:cNvPr>
+          <p:cNvSpPr/>
+          <p:nvPr/>
+        </p:nvSpPr>
+        <p:spPr>
+          <a:xfrm>
+            <a:off x="501806" y="434897"/>
+            <a:ext cx="2698594" cy="1449659"/>
+          </a:xfrm>
+          <a:prstGeom prst="rect">
+            <a:avLst/>
+          </a:prstGeom>
+          <a:noFill/>
+          <a:ln w="76200"/>
+        </p:spPr>
+        <p:style>
+          <a:lnRef idx="2">
+            <a:schemeClr val="accent1">
+              <a:shade val="50000"/>
+            </a:schemeClr>
+          </a:lnRef>
+          <a:fillRef idx="1">
+            <a:schemeClr val="accent1"/>
+          </a:fillRef>
+          <a:effectRef idx="0">
+            <a:schemeClr val="accent1"/>
+          </a:effectRef>
+          <a:fontRef idx="minor">
+            <a:schemeClr val="lt1"/>
+          </a:fontRef>
+        </p:style>
+        <p:txBody>
+          <a:bodyPr rtlCol="0" anchor="ctr"/>
+          <a:lstStyle/>
+          <a:p>
+            <a:pPr algn="ctr"/>
+            <a:r>
+              <a:rPr lang="ru-RU" dirty="0"/>
+              <a:t>вакансии</a:t>
+            </a:r>
+          </a:p>
+        </p:txBody>
+      </p:sp>
+      <p:sp>
+        <p:nvSpPr>
+          <p:cNvPr id="5" name="Прямоугольник 4">
+            <a:extLst>
+              <a:ext uri="{FF2B5EF4-FFF2-40B4-BE49-F238E27FC236}">
+                <a16:creationId xmlns:a16="http://schemas.microsoft.com/office/drawing/2014/main" id="{603E2904-B707-4A70-925B-598113D79B02}"/>
+              </a:ext>
+            </a:extLst>
+          </p:cNvPr>
+          <p:cNvSpPr/>
+          <p:nvPr/>
+        </p:nvSpPr>
+        <p:spPr>
+          <a:xfrm>
+            <a:off x="501806" y="2207941"/>
+            <a:ext cx="2542478" cy="1449659"/>
+          </a:xfrm>
+          <a:prstGeom prst="rect">
+            <a:avLst/>
+          </a:prstGeom>
+          <a:noFill/>
+          <a:ln w="76200"/>
+        </p:spPr>
+        <p:style>
+          <a:lnRef idx="2">
+            <a:schemeClr val="accent1">
+              <a:shade val="50000"/>
+            </a:schemeClr>
+          </a:lnRef>
+          <a:fillRef idx="1">
+            <a:schemeClr val="accent1"/>
+          </a:fillRef>
+          <a:effectRef idx="0">
+            <a:schemeClr val="accent1"/>
+          </a:effectRef>
+          <a:fontRef idx="minor">
+            <a:schemeClr val="lt1"/>
+          </a:fontRef>
+        </p:style>
+        <p:txBody>
+          <a:bodyPr rtlCol="0" anchor="ctr"/>
+          <a:lstStyle/>
+          <a:p>
+            <a:pPr algn="ctr"/>
+            <a:r>
+              <a:rPr lang="ru-RU" dirty="0"/>
+              <a:t>резюме</a:t>
+            </a:r>
+          </a:p>
+        </p:txBody>
+      </p:sp>
+      <p:sp>
+        <p:nvSpPr>
+          <p:cNvPr id="6" name="Прямоугольник 5">
+            <a:extLst>
+              <a:ext uri="{FF2B5EF4-FFF2-40B4-BE49-F238E27FC236}">
+                <a16:creationId xmlns:a16="http://schemas.microsoft.com/office/drawing/2014/main" id="{9980EB36-DC8F-4EE7-896F-59D7B6091F92}"/>
+              </a:ext>
+            </a:extLst>
+          </p:cNvPr>
+          <p:cNvSpPr/>
+          <p:nvPr/>
+        </p:nvSpPr>
+        <p:spPr>
+          <a:xfrm>
+            <a:off x="501806" y="3969834"/>
+            <a:ext cx="2542478" cy="1449659"/>
+          </a:xfrm>
+          <a:prstGeom prst="rect">
+            <a:avLst/>
+          </a:prstGeom>
+          <a:noFill/>
+          <a:ln w="76200"/>
+        </p:spPr>
+        <p:style>
+          <a:lnRef idx="2">
+            <a:schemeClr val="accent1">
+              <a:shade val="50000"/>
+            </a:schemeClr>
+          </a:lnRef>
+          <a:fillRef idx="1">
+            <a:schemeClr val="accent1"/>
+          </a:fillRef>
+          <a:effectRef idx="0">
+            <a:schemeClr val="accent1"/>
+          </a:effectRef>
+          <a:fontRef idx="minor">
+            <a:schemeClr val="lt1"/>
+          </a:fontRef>
+        </p:style>
+        <p:txBody>
+          <a:bodyPr rtlCol="0" anchor="ctr"/>
+          <a:lstStyle/>
+          <a:p>
+            <a:pPr algn="ctr"/>
+            <a:r>
+              <a:rPr lang="ru-RU" dirty="0"/>
+              <a:t>предприятия</a:t>
+            </a:r>
+          </a:p>
+        </p:txBody>
+      </p:sp>
+      <p:sp>
+        <p:nvSpPr>
+          <p:cNvPr id="7" name="Прямоугольник 6">
+            <a:extLst>
+              <a:ext uri="{FF2B5EF4-FFF2-40B4-BE49-F238E27FC236}">
+                <a16:creationId xmlns:a16="http://schemas.microsoft.com/office/drawing/2014/main" id="{4AEF5F46-1274-48E2-B478-CF3759A9D91D}"/>
+              </a:ext>
+            </a:extLst>
+          </p:cNvPr>
+          <p:cNvSpPr/>
+          <p:nvPr/>
+        </p:nvSpPr>
+        <p:spPr>
+          <a:xfrm>
+            <a:off x="3947533" y="434897"/>
+            <a:ext cx="2542478" cy="1449659"/>
+          </a:xfrm>
+          <a:prstGeom prst="rect">
+            <a:avLst/>
+          </a:prstGeom>
+          <a:noFill/>
+          <a:ln w="76200"/>
+        </p:spPr>
+        <p:style>
+          <a:lnRef idx="2">
+            <a:schemeClr val="accent1">
+              <a:shade val="50000"/>
+            </a:schemeClr>
+          </a:lnRef>
+          <a:fillRef idx="1">
+            <a:schemeClr val="accent1"/>
+          </a:fillRef>
+          <a:effectRef idx="0">
+            <a:schemeClr val="accent1"/>
+          </a:effectRef>
+          <a:fontRef idx="minor">
+            <a:schemeClr val="lt1"/>
+          </a:fontRef>
+        </p:style>
+        <p:txBody>
+          <a:bodyPr rtlCol="0" anchor="ctr"/>
+          <a:lstStyle/>
+          <a:p>
+            <a:pPr algn="ctr"/>
+            <a:r>
+              <a:rPr lang="ru-RU" dirty="0"/>
+              <a:t>Сбор сортировка и анализ вакантных мест</a:t>
+            </a:r>
+          </a:p>
+        </p:txBody>
+      </p:sp>
+      <p:sp>
+        <p:nvSpPr>
+          <p:cNvPr id="8" name="Прямоугольник 7">
+            <a:extLst>
+              <a:ext uri="{FF2B5EF4-FFF2-40B4-BE49-F238E27FC236}">
+                <a16:creationId xmlns:a16="http://schemas.microsoft.com/office/drawing/2014/main" id="{786A6938-7424-4640-BDF1-2812FE477FFE}"/>
+              </a:ext>
+            </a:extLst>
+          </p:cNvPr>
+          <p:cNvSpPr/>
+          <p:nvPr/>
+        </p:nvSpPr>
+        <p:spPr>
+          <a:xfrm>
+            <a:off x="3947533" y="2196790"/>
+            <a:ext cx="2843560" cy="1126274"/>
+          </a:xfrm>
+          <a:prstGeom prst="rect">
+            <a:avLst/>
+          </a:prstGeom>
+          <a:noFill/>
+          <a:ln w="76200"/>
+        </p:spPr>
+        <p:style>
+          <a:lnRef idx="2">
+            <a:schemeClr val="accent1">
+              <a:shade val="50000"/>
+            </a:schemeClr>
+          </a:lnRef>
+          <a:fillRef idx="1">
+            <a:schemeClr val="accent1"/>
+          </a:fillRef>
+          <a:effectRef idx="0">
+            <a:schemeClr val="accent1"/>
+          </a:effectRef>
+          <a:fontRef idx="minor">
+            <a:schemeClr val="lt1"/>
+          </a:fontRef>
+        </p:style>
+        <p:txBody>
+          <a:bodyPr rtlCol="0" anchor="ctr"/>
+          <a:lstStyle/>
+          <a:p>
+            <a:pPr algn="ctr"/>
+            <a:r>
+              <a:rPr lang="ru-RU" dirty="0"/>
+              <a:t>Сбор сортировка и анализ профессионалов</a:t>
+            </a:r>
+          </a:p>
+        </p:txBody>
+      </p:sp>
+      <p:sp>
+        <p:nvSpPr>
+          <p:cNvPr id="9" name="Прямоугольник 8">
+            <a:extLst>
+              <a:ext uri="{FF2B5EF4-FFF2-40B4-BE49-F238E27FC236}">
+                <a16:creationId xmlns:a16="http://schemas.microsoft.com/office/drawing/2014/main" id="{1AF010F1-7B41-4E00-AE23-CAAFD70E61E7}"/>
+              </a:ext>
+            </a:extLst>
+          </p:cNvPr>
+          <p:cNvSpPr/>
+          <p:nvPr/>
+        </p:nvSpPr>
+        <p:spPr>
+          <a:xfrm>
+            <a:off x="3947533" y="3757959"/>
+            <a:ext cx="2542478" cy="2509025"/>
+          </a:xfrm>
+          <a:prstGeom prst="rect">
+            <a:avLst/>
+          </a:prstGeom>
+          <a:noFill/>
+          <a:ln w="76200"/>
+        </p:spPr>
+        <p:style>
+          <a:lnRef idx="2">
+            <a:schemeClr val="accent1">
+              <a:shade val="50000"/>
+            </a:schemeClr>
+          </a:lnRef>
+          <a:fillRef idx="1">
+            <a:schemeClr val="accent1"/>
+          </a:fillRef>
+          <a:effectRef idx="0">
+            <a:schemeClr val="accent1"/>
+          </a:effectRef>
+          <a:fontRef idx="minor">
+            <a:schemeClr val="lt1"/>
+          </a:fontRef>
+        </p:style>
+        <p:txBody>
+          <a:bodyPr rtlCol="0" anchor="ctr"/>
+          <a:lstStyle/>
+          <a:p>
+            <a:pPr algn="ctr"/>
+            <a:r>
+              <a:rPr lang="ru-RU" dirty="0"/>
+              <a:t>Подсчет предприятий а так же анализ количества предприятий</a:t>
+            </a:r>
+          </a:p>
+          <a:p>
+            <a:pPr algn="ctr"/>
+            <a:r>
+              <a:rPr lang="ru-RU" dirty="0"/>
+              <a:t>Так же подсчет продукции или услуг</a:t>
+            </a:r>
+          </a:p>
+        </p:txBody>
+      </p:sp>
+      <p:sp>
+        <p:nvSpPr>
+          <p:cNvPr id="10" name="Прямоугольник 9">
+            <a:extLst>
+              <a:ext uri="{FF2B5EF4-FFF2-40B4-BE49-F238E27FC236}">
+                <a16:creationId xmlns:a16="http://schemas.microsoft.com/office/drawing/2014/main" id="{CCC08EF5-0ECD-4B01-8EFA-F8EE05293ECD}"/>
+              </a:ext>
+            </a:extLst>
+          </p:cNvPr>
+          <p:cNvSpPr/>
+          <p:nvPr/>
+        </p:nvSpPr>
+        <p:spPr>
+          <a:xfrm>
+            <a:off x="7237144" y="323385"/>
+            <a:ext cx="2542478" cy="2051825"/>
+          </a:xfrm>
+          <a:prstGeom prst="rect">
+            <a:avLst/>
+          </a:prstGeom>
+          <a:noFill/>
+          <a:ln w="76200"/>
+        </p:spPr>
+        <p:style>
+          <a:lnRef idx="2">
+            <a:schemeClr val="accent1">
+              <a:shade val="50000"/>
+            </a:schemeClr>
+          </a:lnRef>
+          <a:fillRef idx="1">
+            <a:schemeClr val="accent1"/>
+          </a:fillRef>
+          <a:effectRef idx="0">
+            <a:schemeClr val="accent1"/>
+          </a:effectRef>
+          <a:fontRef idx="minor">
+            <a:schemeClr val="lt1"/>
+          </a:fontRef>
+        </p:style>
+        <p:txBody>
+          <a:bodyPr rtlCol="0" anchor="ctr"/>
+          <a:lstStyle/>
+          <a:p>
+            <a:pPr marL="342900" indent="-342900" algn="ctr">
+              <a:buAutoNum type="arabicPeriod"/>
+            </a:pPr>
+            <a:r>
+              <a:rPr lang="ru-RU" dirty="0"/>
+              <a:t>                  Анализ сравнения</a:t>
+            </a:r>
+          </a:p>
+          <a:p>
+            <a:pPr marL="342900" indent="-342900" algn="ctr">
+              <a:buAutoNum type="arabicPeriod"/>
+            </a:pPr>
+            <a:r>
+              <a:rPr lang="ru-RU" dirty="0"/>
+              <a:t>   Вывод спроса в соотношении</a:t>
+            </a:r>
+          </a:p>
+          <a:p>
+            <a:pPr marL="342900" indent="-342900" algn="ctr">
+              <a:buAutoNum type="arabicPeriod"/>
+            </a:pPr>
+            <a:r>
+              <a:rPr lang="ru-RU" dirty="0"/>
+              <a:t>                 Анализ загруженности рынка</a:t>
+            </a:r>
+          </a:p>
+        </p:txBody>
+      </p:sp>
+      <p:sp>
+        <p:nvSpPr>
+          <p:cNvPr id="11" name="Прямоугольник 10">
+            <a:extLst>
+              <a:ext uri="{FF2B5EF4-FFF2-40B4-BE49-F238E27FC236}">
+                <a16:creationId xmlns:a16="http://schemas.microsoft.com/office/drawing/2014/main" id="{2B24072F-8F8E-4288-B01A-EEA8A2B0A203}"/>
+              </a:ext>
+            </a:extLst>
+          </p:cNvPr>
+          <p:cNvSpPr/>
+          <p:nvPr/>
+        </p:nvSpPr>
+        <p:spPr>
+          <a:xfrm>
+            <a:off x="7310853" y="3323064"/>
+            <a:ext cx="2542478" cy="2051826"/>
+          </a:xfrm>
+          <a:prstGeom prst="rect">
+            <a:avLst/>
+          </a:prstGeom>
+          <a:noFill/>
+          <a:ln w="76200"/>
+        </p:spPr>
+        <p:style>
+          <a:lnRef idx="2">
+            <a:schemeClr val="accent1">
+              <a:shade val="50000"/>
+            </a:schemeClr>
+          </a:lnRef>
+          <a:fillRef idx="1">
+            <a:schemeClr val="accent1"/>
+          </a:fillRef>
+          <a:effectRef idx="0">
+            <a:schemeClr val="accent1"/>
+          </a:effectRef>
+          <a:fontRef idx="minor">
+            <a:schemeClr val="lt1"/>
+          </a:fontRef>
+        </p:style>
+        <p:txBody>
+          <a:bodyPr rtlCol="0" anchor="ctr"/>
+          <a:lstStyle/>
+          <a:p>
+            <a:pPr marL="342900" indent="-342900" algn="ctr">
+              <a:buAutoNum type="arabicPeriod"/>
+            </a:pPr>
+            <a:r>
+              <a:rPr lang="ru-RU" dirty="0"/>
+              <a:t>Анализ возможности новой профессии</a:t>
+            </a:r>
+          </a:p>
+          <a:p>
+            <a:pPr marL="342900" indent="-342900" algn="ctr">
+              <a:buAutoNum type="arabicPeriod"/>
+            </a:pPr>
+            <a:r>
+              <a:rPr lang="ru-RU" dirty="0"/>
+              <a:t>Вывод предполагаемых профессий</a:t>
+            </a:r>
+          </a:p>
+        </p:txBody>
+      </p:sp>
+      <p:sp>
+        <p:nvSpPr>
+          <p:cNvPr id="12" name="Стрелка: вправо 11">
+            <a:extLst>
+              <a:ext uri="{FF2B5EF4-FFF2-40B4-BE49-F238E27FC236}">
+                <a16:creationId xmlns:a16="http://schemas.microsoft.com/office/drawing/2014/main" id="{479728D8-0110-41B4-AA17-DA014ADEE78D}"/>
+              </a:ext>
+            </a:extLst>
+          </p:cNvPr>
+          <p:cNvSpPr/>
+          <p:nvPr/>
+        </p:nvSpPr>
+        <p:spPr>
+          <a:xfrm>
+            <a:off x="3217127" y="1106981"/>
+            <a:ext cx="713678" cy="484632"/>
+          </a:xfrm>
+          <a:prstGeom prst="rightArrow">
+            <a:avLst/>
+          </a:prstGeom>
+        </p:spPr>
+        <p:style>
+          <a:lnRef idx="2">
+            <a:schemeClr val="accent1">
+              <a:shade val="50000"/>
+            </a:schemeClr>
+          </a:lnRef>
+          <a:fillRef idx="1">
+            <a:schemeClr val="accent1"/>
+          </a:fillRef>
+          <a:effectRef idx="0">
+            <a:schemeClr val="accent1"/>
+          </a:effectRef>
+          <a:fontRef idx="minor">
+            <a:schemeClr val="lt1"/>
+          </a:fontRef>
+        </p:style>
+        <p:txBody>
+          <a:bodyPr rtlCol="0" anchor="ctr"/>
+          <a:lstStyle/>
+          <a:p>
+            <a:pPr algn="ctr"/>
+            <a:endParaRPr lang="ru-RU"/>
+          </a:p>
+        </p:txBody>
+      </p:sp>
+      <p:sp>
+        <p:nvSpPr>
+          <p:cNvPr id="13" name="Стрелка: вправо 12">
+            <a:extLst>
+              <a:ext uri="{FF2B5EF4-FFF2-40B4-BE49-F238E27FC236}">
+                <a16:creationId xmlns:a16="http://schemas.microsoft.com/office/drawing/2014/main" id="{3DEE0777-C8DC-4BD5-B7E9-C423BD33A1DF}"/>
+              </a:ext>
+            </a:extLst>
+          </p:cNvPr>
+          <p:cNvSpPr/>
+          <p:nvPr/>
+        </p:nvSpPr>
+        <p:spPr>
+          <a:xfrm>
+            <a:off x="3084762" y="2615408"/>
+            <a:ext cx="713678" cy="484632"/>
+          </a:xfrm>
+          <a:prstGeom prst="rightArrow">
+            <a:avLst/>
+          </a:prstGeom>
+        </p:spPr>
+        <p:style>
+          <a:lnRef idx="2">
+            <a:schemeClr val="accent1">
+              <a:shade val="50000"/>
+            </a:schemeClr>
+          </a:lnRef>
+          <a:fillRef idx="1">
+            <a:schemeClr val="accent1"/>
+          </a:fillRef>
+          <a:effectRef idx="0">
+            <a:schemeClr val="accent1"/>
+          </a:effectRef>
+          <a:fontRef idx="minor">
+            <a:schemeClr val="lt1"/>
+          </a:fontRef>
+        </p:style>
+        <p:txBody>
+          <a:bodyPr rtlCol="0" anchor="ctr"/>
+          <a:lstStyle/>
+          <a:p>
+            <a:pPr algn="ctr"/>
+            <a:endParaRPr lang="ru-RU"/>
+          </a:p>
+        </p:txBody>
+      </p:sp>
+      <p:sp>
+        <p:nvSpPr>
+          <p:cNvPr id="14" name="Стрелка: вправо 13">
+            <a:extLst>
+              <a:ext uri="{FF2B5EF4-FFF2-40B4-BE49-F238E27FC236}">
+                <a16:creationId xmlns:a16="http://schemas.microsoft.com/office/drawing/2014/main" id="{3EC026D3-2791-4F51-BC6B-A30E2CB826A5}"/>
+              </a:ext>
+            </a:extLst>
+          </p:cNvPr>
+          <p:cNvSpPr/>
+          <p:nvPr/>
+        </p:nvSpPr>
+        <p:spPr>
+          <a:xfrm>
+            <a:off x="3061011" y="4575010"/>
+            <a:ext cx="869794" cy="484632"/>
+          </a:xfrm>
+          <a:prstGeom prst="rightArrow">
+            <a:avLst/>
+          </a:prstGeom>
+        </p:spPr>
+        <p:style>
+          <a:lnRef idx="2">
+            <a:schemeClr val="accent1">
+              <a:shade val="50000"/>
+            </a:schemeClr>
+          </a:lnRef>
+          <a:fillRef idx="1">
+            <a:schemeClr val="accent1"/>
+          </a:fillRef>
+          <a:effectRef idx="0">
+            <a:schemeClr val="accent1"/>
+          </a:effectRef>
+          <a:fontRef idx="minor">
+            <a:schemeClr val="lt1"/>
+          </a:fontRef>
+        </p:style>
+        <p:txBody>
+          <a:bodyPr rtlCol="0" anchor="ctr"/>
+          <a:lstStyle/>
+          <a:p>
+            <a:pPr algn="ctr"/>
+            <a:endParaRPr lang="ru-RU"/>
+          </a:p>
+        </p:txBody>
+      </p:sp>
+      <p:sp>
+        <p:nvSpPr>
+          <p:cNvPr id="15" name="Стрелка: вправо 14">
+            <a:extLst>
+              <a:ext uri="{FF2B5EF4-FFF2-40B4-BE49-F238E27FC236}">
+                <a16:creationId xmlns:a16="http://schemas.microsoft.com/office/drawing/2014/main" id="{9036E1E4-2776-4A9D-B6E2-A25C4FCD4FCB}"/>
+              </a:ext>
+            </a:extLst>
+          </p:cNvPr>
+          <p:cNvSpPr/>
+          <p:nvPr/>
+        </p:nvSpPr>
+        <p:spPr>
+          <a:xfrm>
+            <a:off x="6490011" y="1260088"/>
+            <a:ext cx="657921" cy="484632"/>
+          </a:xfrm>
+          <a:prstGeom prst="rightArrow">
+            <a:avLst/>
+          </a:prstGeom>
+        </p:spPr>
+        <p:style>
+          <a:lnRef idx="2">
+            <a:schemeClr val="accent1">
+              <a:shade val="50000"/>
+            </a:schemeClr>
+          </a:lnRef>
+          <a:fillRef idx="1">
+            <a:schemeClr val="accent1"/>
+          </a:fillRef>
+          <a:effectRef idx="0">
+            <a:schemeClr val="accent1"/>
+          </a:effectRef>
+          <a:fontRef idx="minor">
+            <a:schemeClr val="lt1"/>
+          </a:fontRef>
+        </p:style>
+        <p:txBody>
+          <a:bodyPr rtlCol="0" anchor="ctr"/>
+          <a:lstStyle/>
+          <a:p>
+            <a:pPr algn="ctr"/>
+            <a:endParaRPr lang="ru-RU"/>
+          </a:p>
+        </p:txBody>
+      </p:sp>
+      <p:sp>
+        <p:nvSpPr>
+          <p:cNvPr id="17" name="Стрелка: изогнутая вверх 16">
+            <a:extLst>
+              <a:ext uri="{FF2B5EF4-FFF2-40B4-BE49-F238E27FC236}">
+                <a16:creationId xmlns:a16="http://schemas.microsoft.com/office/drawing/2014/main" id="{36D25FA0-F1DA-4D1E-B205-0A99BFFE27E5}"/>
+              </a:ext>
+            </a:extLst>
+          </p:cNvPr>
+          <p:cNvSpPr/>
+          <p:nvPr/>
+        </p:nvSpPr>
+        <p:spPr>
+          <a:xfrm>
+            <a:off x="6843950" y="2446579"/>
+            <a:ext cx="850392" cy="731520"/>
+          </a:xfrm>
+          <a:prstGeom prst="bentUpArrow">
+            <a:avLst/>
+          </a:prstGeom>
+        </p:spPr>
+        <p:style>
+          <a:lnRef idx="2">
+            <a:schemeClr val="accent1">
+              <a:shade val="50000"/>
+            </a:schemeClr>
+          </a:lnRef>
+          <a:fillRef idx="1">
+            <a:schemeClr val="accent1"/>
+          </a:fillRef>
+          <a:effectRef idx="0">
+            <a:schemeClr val="accent1"/>
+          </a:effectRef>
+          <a:fontRef idx="minor">
+            <a:schemeClr val="lt1"/>
+          </a:fontRef>
+        </p:style>
+        <p:txBody>
+          <a:bodyPr rtlCol="0" anchor="ctr"/>
+          <a:lstStyle/>
+          <a:p>
+            <a:pPr algn="ctr"/>
+            <a:endParaRPr lang="ru-RU"/>
+          </a:p>
+        </p:txBody>
+      </p:sp>
+      <p:sp>
+        <p:nvSpPr>
+          <p:cNvPr id="18" name="Стрелка: вправо 17">
+            <a:extLst>
+              <a:ext uri="{FF2B5EF4-FFF2-40B4-BE49-F238E27FC236}">
+                <a16:creationId xmlns:a16="http://schemas.microsoft.com/office/drawing/2014/main" id="{6ADB856B-198A-463E-A775-29C3E56D5630}"/>
+              </a:ext>
+            </a:extLst>
+          </p:cNvPr>
+          <p:cNvSpPr/>
+          <p:nvPr/>
+        </p:nvSpPr>
+        <p:spPr>
+          <a:xfrm>
+            <a:off x="6477411" y="4363137"/>
+            <a:ext cx="759733" cy="484632"/>
+          </a:xfrm>
+          <a:prstGeom prst="rightArrow">
+            <a:avLst/>
+          </a:prstGeom>
+        </p:spPr>
+        <p:style>
+          <a:lnRef idx="2">
+            <a:schemeClr val="accent1">
+              <a:shade val="50000"/>
+            </a:schemeClr>
+          </a:lnRef>
+          <a:fillRef idx="1">
+            <a:schemeClr val="accent1"/>
+          </a:fillRef>
+          <a:effectRef idx="0">
+            <a:schemeClr val="accent1"/>
+          </a:effectRef>
+          <a:fontRef idx="minor">
+            <a:schemeClr val="lt1"/>
+          </a:fontRef>
+        </p:style>
+        <p:txBody>
+          <a:bodyPr rtlCol="0" anchor="ctr"/>
+          <a:lstStyle/>
+          <a:p>
+            <a:pPr algn="ctr"/>
+            <a:endParaRPr lang="ru-RU"/>
+          </a:p>
+        </p:txBody>
+      </p:sp>
+      <p:sp>
+        <p:nvSpPr>
+          <p:cNvPr id="16" name="Прямоугольник 15">
+            <a:extLst>
+              <a:ext uri="{FF2B5EF4-FFF2-40B4-BE49-F238E27FC236}">
+                <a16:creationId xmlns:a16="http://schemas.microsoft.com/office/drawing/2014/main" id="{BC609EA5-CB12-4BD3-987F-959E7C0255B7}"/>
+              </a:ext>
+            </a:extLst>
+          </p:cNvPr>
+          <p:cNvSpPr/>
+          <p:nvPr/>
+        </p:nvSpPr>
+        <p:spPr>
+          <a:xfrm>
+            <a:off x="10355132" y="3880623"/>
+            <a:ext cx="1836867" cy="2609387"/>
+          </a:xfrm>
+          <a:prstGeom prst="rect">
+            <a:avLst/>
+          </a:prstGeom>
+          <a:noFill/>
+          <a:ln w="76200"/>
+        </p:spPr>
+        <p:style>
+          <a:lnRef idx="2">
+            <a:schemeClr val="accent1">
+              <a:shade val="50000"/>
+            </a:schemeClr>
+          </a:lnRef>
+          <a:fillRef idx="1">
+            <a:schemeClr val="accent1"/>
+          </a:fillRef>
+          <a:effectRef idx="0">
+            <a:schemeClr val="accent1"/>
+          </a:effectRef>
+          <a:fontRef idx="minor">
+            <a:schemeClr val="lt1"/>
+          </a:fontRef>
+        </p:style>
+        <p:txBody>
+          <a:bodyPr rtlCol="0" anchor="ctr"/>
+          <a:lstStyle/>
+          <a:p>
+            <a:pPr algn="ctr"/>
+            <a:r>
+              <a:rPr lang="ru-RU" dirty="0"/>
+              <a:t>Анализ спроса на продукцию</a:t>
+            </a:r>
+          </a:p>
+        </p:txBody>
+      </p:sp>
+      <p:sp>
+        <p:nvSpPr>
+          <p:cNvPr id="2" name="Стрелка: вправо 1">
+            <a:extLst>
+              <a:ext uri="{FF2B5EF4-FFF2-40B4-BE49-F238E27FC236}">
+                <a16:creationId xmlns:a16="http://schemas.microsoft.com/office/drawing/2014/main" id="{11D7A5C7-458B-4FB7-A9FF-3714FB5AF7CD}"/>
+              </a:ext>
+            </a:extLst>
+          </p:cNvPr>
+          <p:cNvSpPr/>
+          <p:nvPr/>
+        </p:nvSpPr>
+        <p:spPr>
+          <a:xfrm>
+            <a:off x="6520566" y="5771199"/>
+            <a:ext cx="3760857" cy="484632"/>
+          </a:xfrm>
+          <a:prstGeom prst="rightArrow">
+            <a:avLst/>
+          </a:prstGeom>
+        </p:spPr>
+        <p:style>
+          <a:lnRef idx="2">
+            <a:schemeClr val="accent1">
+              <a:shade val="50000"/>
+            </a:schemeClr>
+          </a:lnRef>
+          <a:fillRef idx="1">
+            <a:schemeClr val="accent1"/>
+          </a:fillRef>
+          <a:effectRef idx="0">
+            <a:schemeClr val="accent1"/>
+          </a:effectRef>
+          <a:fontRef idx="minor">
+            <a:schemeClr val="lt1"/>
+          </a:fontRef>
+        </p:style>
+        <p:txBody>
+          <a:bodyPr rtlCol="0" anchor="ctr"/>
+          <a:lstStyle/>
+          <a:p>
+            <a:pPr algn="ctr"/>
+            <a:endParaRPr lang="ru-RU"/>
+          </a:p>
+        </p:txBody>
+      </p:sp>
+    </p:spTree>
+    <p:extLst>
+      <p:ext uri="{BB962C8B-B14F-4D97-AF65-F5344CB8AC3E}">
+        <p14:creationId xmlns:p14="http://schemas.microsoft.com/office/powerpoint/2010/main" val="3952402134"/>
+      </p:ext>
+    </p:extLst>
+  </p:cSld>
+  <p:clrMapOvr>
+    <a:masterClrMapping/>
+  </p:clrMapOvr>
+</p:sld>
+</file>
+
+<file path=ppt/slides/slide6.xml><?xml version="1.0" encoding="utf-8"?>
+<p:sld xmlns:a="http://schemas.openxmlformats.org/drawingml/2006/main" xmlns:r="http://schemas.openxmlformats.org/officeDocument/2006/relationships" xmlns:p="http://schemas.openxmlformats.org/presentationml/2006/main">
+  <p:cSld>
+    <p:spTree>
+      <p:nvGrpSpPr>
+        <p:cNvPr id="1" name=""/>
+        <p:cNvGrpSpPr/>
+        <p:nvPr/>
+      </p:nvGrpSpPr>
+      <p:grpSpPr>
+        <a:xfrm>
+          <a:off x="0" y="0"/>
+          <a:ext cx="0" cy="0"/>
+          <a:chOff x="0" y="0"/>
+          <a:chExt cx="0" cy="0"/>
+        </a:xfrm>
+      </p:grpSpPr>
+      <p:sp>
+        <p:nvSpPr>
+          <p:cNvPr id="4" name="Прямоугольник 3">
+            <a:extLst>
+              <a:ext uri="{FF2B5EF4-FFF2-40B4-BE49-F238E27FC236}">
+                <a16:creationId xmlns:a16="http://schemas.microsoft.com/office/drawing/2014/main" id="{BE031761-F69D-40BF-937F-6753830558B2}"/>
+              </a:ext>
+            </a:extLst>
+          </p:cNvPr>
+          <p:cNvSpPr/>
+          <p:nvPr/>
+        </p:nvSpPr>
+        <p:spPr>
+          <a:xfrm>
             <a:off x="161896" y="434896"/>
             <a:ext cx="2854711" cy="1449659"/>
           </a:xfrm>
@@ -8307,6 +8672,322 @@
             <a:ext cx="5727184" cy="484632"/>
           </a:xfrm>
           <a:prstGeom prst="leftArrow">
+            <a:avLst/>
+          </a:prstGeom>
+        </p:spPr>
+        <p:style>
+          <a:lnRef idx="2">
+            <a:schemeClr val="accent1">
+              <a:shade val="50000"/>
+            </a:schemeClr>
+          </a:lnRef>
+          <a:fillRef idx="1">
+            <a:schemeClr val="accent1"/>
+          </a:fillRef>
+          <a:effectRef idx="0">
+            <a:schemeClr val="accent1"/>
+          </a:effectRef>
+          <a:fontRef idx="minor">
+            <a:schemeClr val="lt1"/>
+          </a:fontRef>
+        </p:style>
+        <p:txBody>
+          <a:bodyPr rtlCol="0" anchor="ctr"/>
+          <a:lstStyle/>
+          <a:p>
+            <a:pPr algn="ctr"/>
+            <a:endParaRPr lang="ru-RU"/>
+          </a:p>
+        </p:txBody>
+      </p:sp>
+      <p:sp>
+        <p:nvSpPr>
+          <p:cNvPr id="14" name="Прямоугольник 13">
+            <a:extLst>
+              <a:ext uri="{FF2B5EF4-FFF2-40B4-BE49-F238E27FC236}">
+                <a16:creationId xmlns:a16="http://schemas.microsoft.com/office/drawing/2014/main" id="{7BD33058-E8A0-4303-9881-DAFEF5466B56}"/>
+              </a:ext>
+            </a:extLst>
+          </p:cNvPr>
+          <p:cNvSpPr/>
+          <p:nvPr/>
+        </p:nvSpPr>
+        <p:spPr>
+          <a:xfrm>
+            <a:off x="8906108" y="4835629"/>
+            <a:ext cx="2854711" cy="1449659"/>
+          </a:xfrm>
+          <a:prstGeom prst="rect">
+            <a:avLst/>
+          </a:prstGeom>
+          <a:noFill/>
+          <a:ln w="76200"/>
+        </p:spPr>
+        <p:style>
+          <a:lnRef idx="2">
+            <a:schemeClr val="accent1">
+              <a:shade val="50000"/>
+            </a:schemeClr>
+          </a:lnRef>
+          <a:fillRef idx="1">
+            <a:schemeClr val="accent1"/>
+          </a:fillRef>
+          <a:effectRef idx="0">
+            <a:schemeClr val="accent1"/>
+          </a:effectRef>
+          <a:fontRef idx="minor">
+            <a:schemeClr val="lt1"/>
+          </a:fontRef>
+        </p:style>
+        <p:txBody>
+          <a:bodyPr rtlCol="0" anchor="ctr"/>
+          <a:lstStyle/>
+          <a:p>
+            <a:pPr algn="ctr"/>
+            <a:r>
+              <a:rPr lang="ru-RU" dirty="0"/>
+              <a:t>Данные с Учебных учреждений</a:t>
+            </a:r>
+          </a:p>
+          <a:p>
+            <a:pPr algn="ctr"/>
+            <a:r>
+              <a:rPr lang="ru-RU" dirty="0"/>
+              <a:t>(Институты, ВУЗы, Курсы)</a:t>
+            </a:r>
+          </a:p>
+        </p:txBody>
+      </p:sp>
+      <p:sp>
+        <p:nvSpPr>
+          <p:cNvPr id="15" name="Прямоугольник 14">
+            <a:extLst>
+              <a:ext uri="{FF2B5EF4-FFF2-40B4-BE49-F238E27FC236}">
+                <a16:creationId xmlns:a16="http://schemas.microsoft.com/office/drawing/2014/main" id="{C01C72E9-7EA4-467D-B094-75FB513CC602}"/>
+              </a:ext>
+            </a:extLst>
+          </p:cNvPr>
+          <p:cNvSpPr/>
+          <p:nvPr/>
+        </p:nvSpPr>
+        <p:spPr>
+          <a:xfrm>
+            <a:off x="606709" y="5134429"/>
+            <a:ext cx="2854711" cy="1449659"/>
+          </a:xfrm>
+          <a:prstGeom prst="rect">
+            <a:avLst/>
+          </a:prstGeom>
+          <a:noFill/>
+          <a:ln w="76200"/>
+        </p:spPr>
+        <p:style>
+          <a:lnRef idx="2">
+            <a:schemeClr val="accent1">
+              <a:shade val="50000"/>
+            </a:schemeClr>
+          </a:lnRef>
+          <a:fillRef idx="1">
+            <a:schemeClr val="accent1"/>
+          </a:fillRef>
+          <a:effectRef idx="0">
+            <a:schemeClr val="accent1"/>
+          </a:effectRef>
+          <a:fontRef idx="minor">
+            <a:schemeClr val="lt1"/>
+          </a:fontRef>
+        </p:style>
+        <p:txBody>
+          <a:bodyPr rtlCol="0" anchor="ctr"/>
+          <a:lstStyle/>
+          <a:p>
+            <a:pPr algn="ctr"/>
+            <a:r>
+              <a:rPr lang="ru-RU" dirty="0"/>
+              <a:t>Сравнение и соотношение</a:t>
+            </a:r>
+          </a:p>
+          <a:p>
+            <a:pPr algn="ctr"/>
+            <a:r>
+              <a:rPr lang="ru-RU" dirty="0" err="1"/>
+              <a:t>Вычесленых</a:t>
+            </a:r>
+            <a:r>
+              <a:rPr lang="ru-RU" dirty="0"/>
+              <a:t> данных</a:t>
+            </a:r>
+          </a:p>
+          <a:p>
+            <a:pPr algn="ctr"/>
+            <a:r>
+              <a:rPr lang="ru-RU" dirty="0"/>
+              <a:t>И данных студентов</a:t>
+            </a:r>
+          </a:p>
+        </p:txBody>
+      </p:sp>
+      <p:sp>
+        <p:nvSpPr>
+          <p:cNvPr id="16" name="Прямоугольник 15">
+            <a:extLst>
+              <a:ext uri="{FF2B5EF4-FFF2-40B4-BE49-F238E27FC236}">
+                <a16:creationId xmlns:a16="http://schemas.microsoft.com/office/drawing/2014/main" id="{7161A29A-B64A-43CE-924E-CB26BC1D0A0C}"/>
+              </a:ext>
+            </a:extLst>
+          </p:cNvPr>
+          <p:cNvSpPr/>
+          <p:nvPr/>
+        </p:nvSpPr>
+        <p:spPr>
+          <a:xfrm>
+            <a:off x="4228697" y="3685920"/>
+            <a:ext cx="2854711" cy="1449659"/>
+          </a:xfrm>
+          <a:prstGeom prst="rect">
+            <a:avLst/>
+          </a:prstGeom>
+          <a:noFill/>
+          <a:ln w="76200"/>
+        </p:spPr>
+        <p:style>
+          <a:lnRef idx="2">
+            <a:schemeClr val="accent1">
+              <a:shade val="50000"/>
+            </a:schemeClr>
+          </a:lnRef>
+          <a:fillRef idx="1">
+            <a:schemeClr val="accent1"/>
+          </a:fillRef>
+          <a:effectRef idx="0">
+            <a:schemeClr val="accent1"/>
+          </a:effectRef>
+          <a:fontRef idx="minor">
+            <a:schemeClr val="lt1"/>
+          </a:fontRef>
+        </p:style>
+        <p:txBody>
+          <a:bodyPr rtlCol="0" anchor="ctr"/>
+          <a:lstStyle/>
+          <a:p>
+            <a:pPr algn="ctr"/>
+            <a:r>
+              <a:rPr lang="ru-RU" dirty="0"/>
+              <a:t>Вывод предложений подготовки специалистов</a:t>
+            </a:r>
+          </a:p>
+        </p:txBody>
+      </p:sp>
+      <p:sp>
+        <p:nvSpPr>
+          <p:cNvPr id="2" name="Стрелка: вниз 1">
+            <a:extLst>
+              <a:ext uri="{FF2B5EF4-FFF2-40B4-BE49-F238E27FC236}">
+                <a16:creationId xmlns:a16="http://schemas.microsoft.com/office/drawing/2014/main" id="{08039E1C-3439-4BDD-802F-1D63D0248382}"/>
+              </a:ext>
+            </a:extLst>
+          </p:cNvPr>
+          <p:cNvSpPr/>
+          <p:nvPr/>
+        </p:nvSpPr>
+        <p:spPr>
+          <a:xfrm>
+            <a:off x="2263698" y="4512536"/>
+            <a:ext cx="484632" cy="646186"/>
+          </a:xfrm>
+          <a:prstGeom prst="downArrow">
+            <a:avLst/>
+          </a:prstGeom>
+        </p:spPr>
+        <p:style>
+          <a:lnRef idx="2">
+            <a:schemeClr val="accent1">
+              <a:shade val="50000"/>
+            </a:schemeClr>
+          </a:lnRef>
+          <a:fillRef idx="1">
+            <a:schemeClr val="accent1"/>
+          </a:fillRef>
+          <a:effectRef idx="0">
+            <a:schemeClr val="accent1"/>
+          </a:effectRef>
+          <a:fontRef idx="minor">
+            <a:schemeClr val="lt1"/>
+          </a:fontRef>
+        </p:style>
+        <p:txBody>
+          <a:bodyPr rtlCol="0" anchor="ctr"/>
+          <a:lstStyle/>
+          <a:p>
+            <a:pPr algn="ctr"/>
+            <a:endParaRPr lang="ru-RU"/>
+          </a:p>
+        </p:txBody>
+      </p:sp>
+      <p:sp>
+        <p:nvSpPr>
+          <p:cNvPr id="5" name="Стрелка: влево 4">
+            <a:extLst>
+              <a:ext uri="{FF2B5EF4-FFF2-40B4-BE49-F238E27FC236}">
+                <a16:creationId xmlns:a16="http://schemas.microsoft.com/office/drawing/2014/main" id="{454B0D03-A30F-4FFA-8DB8-F0D63634B6A4}"/>
+              </a:ext>
+            </a:extLst>
+          </p:cNvPr>
+          <p:cNvSpPr/>
+          <p:nvPr/>
+        </p:nvSpPr>
+        <p:spPr>
+          <a:xfrm>
+            <a:off x="3461420" y="5859258"/>
+            <a:ext cx="5514383" cy="484632"/>
+          </a:xfrm>
+          <a:prstGeom prst="leftArrow">
+            <a:avLst/>
+          </a:prstGeom>
+        </p:spPr>
+        <p:style>
+          <a:lnRef idx="2">
+            <a:schemeClr val="accent1">
+              <a:shade val="50000"/>
+            </a:schemeClr>
+          </a:lnRef>
+          <a:fillRef idx="1">
+            <a:schemeClr val="accent1"/>
+          </a:fillRef>
+          <a:effectRef idx="0">
+            <a:schemeClr val="accent1"/>
+          </a:effectRef>
+          <a:fontRef idx="minor">
+            <a:schemeClr val="lt1"/>
+          </a:fontRef>
+        </p:style>
+        <p:txBody>
+          <a:bodyPr rtlCol="0" anchor="ctr"/>
+          <a:lstStyle/>
+          <a:p>
+            <a:pPr algn="ctr"/>
+            <a:endParaRPr lang="ru-RU"/>
+          </a:p>
+        </p:txBody>
+      </p:sp>
+      <p:sp>
+        <p:nvSpPr>
+          <p:cNvPr id="6" name="Стрелка: изогнутая вверх 5">
+            <a:extLst>
+              <a:ext uri="{FF2B5EF4-FFF2-40B4-BE49-F238E27FC236}">
+                <a16:creationId xmlns:a16="http://schemas.microsoft.com/office/drawing/2014/main" id="{80B14206-1806-4893-BD15-E78FBDD3525B}"/>
+              </a:ext>
+            </a:extLst>
+          </p:cNvPr>
+          <p:cNvSpPr/>
+          <p:nvPr/>
+        </p:nvSpPr>
+        <p:spPr>
+          <a:xfrm>
+            <a:off x="3508174" y="5158722"/>
+            <a:ext cx="2587826" cy="554482"/>
+          </a:xfrm>
+          <a:prstGeom prst="bentUpArrow">
             <a:avLst/>
           </a:prstGeom>
         </p:spPr>
@@ -8348,7 +9029,7 @@
 </p:sld>
 </file>
 
-<file path=ppt/slides/slide4.xml><?xml version="1.0" encoding="utf-8"?>
+<file path=ppt/slides/slide7.xml><?xml version="1.0" encoding="utf-8"?>
 <p:sld xmlns:a="http://schemas.openxmlformats.org/drawingml/2006/main" xmlns:r="http://schemas.openxmlformats.org/officeDocument/2006/relationships" xmlns:p="http://schemas.openxmlformats.org/presentationml/2006/main">
   <p:cSld>
     <p:spTree>
